--- a/powerpoint/master_slide.pptx
+++ b/powerpoint/master_slide.pptx
@@ -4,8 +4,12 @@
   <p:sldMasterIdLst>
     <p:sldMasterId id="2147483650" r:id="rId1"/>
   </p:sldMasterIdLst>
+  <p:notesMasterIdLst>
+    <p:notesMasterId r:id="rId4"/>
+  </p:notesMasterIdLst>
   <p:sldIdLst>
     <p:sldId id="256" r:id="rId2"/>
+    <p:sldId id="257" r:id="rId3"/>
   </p:sldIdLst>
   <p:sldSz cx="9144000" cy="6858000" type="screen4x3"/>
   <p:notesSz cx="6858000" cy="9144000"/>
@@ -104,6 +108,11 @@
       </a:defRPr>
     </a:lvl9pPr>
   </p:defaultTextStyle>
+  <p:extLst>
+    <p:ext uri="{EFAFB233-063F-42B5-8137-9DF3F51BA10A}">
+      <p15:sldGuideLst xmlns:p15="http://schemas.microsoft.com/office/powerpoint/2012/main"/>
+    </p:ext>
+  </p:extLst>
 </p:presentation>
 </file>
 
@@ -112,12 +121,12 @@
   <pc:docChgLst>
     <pc:chgData name="Mifta Nur Farid" userId="09c4264491c822bb" providerId="LiveId" clId="{0F721C68-153B-48CC-BFD1-19745D3FCB6C}"/>
     <pc:docChg chg="undo custSel addSld delSld modSld modMainMaster">
-      <pc:chgData name="Mifta Nur Farid" userId="09c4264491c822bb" providerId="LiveId" clId="{0F721C68-153B-48CC-BFD1-19745D3FCB6C}" dt="2021-08-13T07:05:30.104" v="205" actId="2696"/>
+      <pc:chgData name="Mifta Nur Farid" userId="09c4264491c822bb" providerId="LiveId" clId="{0F721C68-153B-48CC-BFD1-19745D3FCB6C}" dt="2021-08-13T14:19:55.095" v="472" actId="207"/>
       <pc:docMkLst>
         <pc:docMk/>
       </pc:docMkLst>
-      <pc:sldChg chg="modSp new">
-        <pc:chgData name="Mifta Nur Farid" userId="09c4264491c822bb" providerId="LiveId" clId="{0F721C68-153B-48CC-BFD1-19745D3FCB6C}" dt="2021-08-13T06:36:37.886" v="1"/>
+      <pc:sldChg chg="modSp new del">
+        <pc:chgData name="Mifta Nur Farid" userId="09c4264491c822bb" providerId="LiveId" clId="{0F721C68-153B-48CC-BFD1-19745D3FCB6C}" dt="2021-08-13T14:12:54.796" v="271" actId="47"/>
         <pc:sldMkLst>
           <pc:docMk/>
           <pc:sldMk cId="1276298140" sldId="256"/>
@@ -139,11 +148,71 @@
           </ac:spMkLst>
         </pc:spChg>
       </pc:sldChg>
+      <pc:sldChg chg="modSp new mod">
+        <pc:chgData name="Mifta Nur Farid" userId="09c4264491c822bb" providerId="LiveId" clId="{0F721C68-153B-48CC-BFD1-19745D3FCB6C}" dt="2021-08-13T14:18:30.580" v="428" actId="20577"/>
+        <pc:sldMkLst>
+          <pc:docMk/>
+          <pc:sldMk cId="4046336571" sldId="256"/>
+        </pc:sldMkLst>
+        <pc:spChg chg="mod">
+          <ac:chgData name="Mifta Nur Farid" userId="09c4264491c822bb" providerId="LiveId" clId="{0F721C68-153B-48CC-BFD1-19745D3FCB6C}" dt="2021-08-13T14:18:13.897" v="373" actId="20577"/>
+          <ac:spMkLst>
+            <pc:docMk/>
+            <pc:sldMk cId="4046336571" sldId="256"/>
+            <ac:spMk id="2" creationId="{AF5DF1C4-5F39-4A17-91E5-2D3D9F92DEB0}"/>
+          </ac:spMkLst>
+        </pc:spChg>
+        <pc:spChg chg="mod">
+          <ac:chgData name="Mifta Nur Farid" userId="09c4264491c822bb" providerId="LiveId" clId="{0F721C68-153B-48CC-BFD1-19745D3FCB6C}" dt="2021-08-13T14:18:30.580" v="428" actId="20577"/>
+          <ac:spMkLst>
+            <pc:docMk/>
+            <pc:sldMk cId="4046336571" sldId="256"/>
+            <ac:spMk id="3" creationId="{6B464C33-C47E-40ED-9096-D34F5A6254DE}"/>
+          </ac:spMkLst>
+        </pc:spChg>
+      </pc:sldChg>
       <pc:sldChg chg="new del">
         <pc:chgData name="Mifta Nur Farid" userId="09c4264491c822bb" providerId="LiveId" clId="{0F721C68-153B-48CC-BFD1-19745D3FCB6C}" dt="2021-08-13T07:05:30.104" v="205" actId="2696"/>
         <pc:sldMkLst>
           <pc:docMk/>
           <pc:sldMk cId="2713590617" sldId="257"/>
+        </pc:sldMkLst>
+      </pc:sldChg>
+      <pc:sldChg chg="new del">
+        <pc:chgData name="Mifta Nur Farid" userId="09c4264491c822bb" providerId="LiveId" clId="{0F721C68-153B-48CC-BFD1-19745D3FCB6C}" dt="2021-08-13T14:12:53.972" v="270" actId="47"/>
+        <pc:sldMkLst>
+          <pc:docMk/>
+          <pc:sldMk cId="3900700475" sldId="257"/>
+        </pc:sldMkLst>
+      </pc:sldChg>
+      <pc:sldChg chg="modSp new mod">
+        <pc:chgData name="Mifta Nur Farid" userId="09c4264491c822bb" providerId="LiveId" clId="{0F721C68-153B-48CC-BFD1-19745D3FCB6C}" dt="2021-08-13T14:18:50.742" v="455" actId="113"/>
+        <pc:sldMkLst>
+          <pc:docMk/>
+          <pc:sldMk cId="4276120472" sldId="257"/>
+        </pc:sldMkLst>
+        <pc:spChg chg="mod">
+          <ac:chgData name="Mifta Nur Farid" userId="09c4264491c822bb" providerId="LiveId" clId="{0F721C68-153B-48CC-BFD1-19745D3FCB6C}" dt="2021-08-13T14:18:50.742" v="455" actId="113"/>
+          <ac:spMkLst>
+            <pc:docMk/>
+            <pc:sldMk cId="4276120472" sldId="257"/>
+            <ac:spMk id="2" creationId="{9557933B-91AD-4A6D-B84A-97087DEC44BB}"/>
+          </ac:spMkLst>
+        </pc:spChg>
+        <pc:spChg chg="mod">
+          <ac:chgData name="Mifta Nur Farid" userId="09c4264491c822bb" providerId="LiveId" clId="{0F721C68-153B-48CC-BFD1-19745D3FCB6C}" dt="2021-08-13T14:18:43.776" v="453" actId="20577"/>
+          <ac:spMkLst>
+            <pc:docMk/>
+            <pc:sldMk cId="4276120472" sldId="257"/>
+            <ac:spMk id="3" creationId="{9455B044-E809-4066-9DF6-E25976AFC48C}"/>
+          </ac:spMkLst>
+        </pc:spChg>
+      </pc:sldChg>
+      <pc:sldChg chg="new del">
+        <pc:chgData name="Mifta Nur Farid" userId="09c4264491c822bb" providerId="LiveId" clId="{0F721C68-153B-48CC-BFD1-19745D3FCB6C}" dt="2021-08-13T14:12:56.141" v="272" actId="47"/>
+        <pc:sldMkLst>
+          <pc:docMk/>
+          <pc:sldMk cId="420906255" sldId="258"/>
         </pc:sldMkLst>
       </pc:sldChg>
       <pc:sldMasterChg chg="addSldLayout modSldLayout">
@@ -180,7 +249,7 @@
         </pc:sldLayoutChg>
       </pc:sldMasterChg>
       <pc:sldMasterChg chg="addSp delSp modSp mod delSldLayout modSldLayout">
-        <pc:chgData name="Mifta Nur Farid" userId="09c4264491c822bb" providerId="LiveId" clId="{0F721C68-153B-48CC-BFD1-19745D3FCB6C}" dt="2021-08-13T07:05:15.683" v="203" actId="478"/>
+        <pc:chgData name="Mifta Nur Farid" userId="09c4264491c822bb" providerId="LiveId" clId="{0F721C68-153B-48CC-BFD1-19745D3FCB6C}" dt="2021-08-13T14:19:55.095" v="472" actId="207"/>
         <pc:sldMasterMkLst>
           <pc:docMk/>
           <pc:sldMasterMk cId="4025415482" sldId="2147483650"/>
@@ -194,14 +263,14 @@
           </ac:picMkLst>
         </pc:picChg>
         <pc:sldLayoutChg chg="addSp delSp modSp mod">
-          <pc:chgData name="Mifta Nur Farid" userId="09c4264491c822bb" providerId="LiveId" clId="{0F721C68-153B-48CC-BFD1-19745D3FCB6C}" dt="2021-08-13T07:03:45.582" v="180" actId="478"/>
+          <pc:chgData name="Mifta Nur Farid" userId="09c4264491c822bb" providerId="LiveId" clId="{0F721C68-153B-48CC-BFD1-19745D3FCB6C}" dt="2021-08-13T14:08:46.003" v="223" actId="113"/>
           <pc:sldLayoutMkLst>
             <pc:docMk/>
             <pc:sldMasterMk cId="4025415482" sldId="2147483650"/>
             <pc:sldLayoutMk cId="3948493201" sldId="2147483651"/>
           </pc:sldLayoutMkLst>
           <pc:spChg chg="mod">
-            <ac:chgData name="Mifta Nur Farid" userId="09c4264491c822bb" providerId="LiveId" clId="{0F721C68-153B-48CC-BFD1-19745D3FCB6C}" dt="2021-08-13T06:49:50.716" v="107" actId="1076"/>
+            <ac:chgData name="Mifta Nur Farid" userId="09c4264491c822bb" providerId="LiveId" clId="{0F721C68-153B-48CC-BFD1-19745D3FCB6C}" dt="2021-08-13T14:08:46.003" v="223" actId="113"/>
             <ac:spMkLst>
               <pc:docMk/>
               <pc:sldMasterMk cId="4025415482" sldId="2147483650"/>
@@ -265,14 +334,14 @@
           </pc:picChg>
         </pc:sldLayoutChg>
         <pc:sldLayoutChg chg="addSp delSp modSp mod">
-          <pc:chgData name="Mifta Nur Farid" userId="09c4264491c822bb" providerId="LiveId" clId="{0F721C68-153B-48CC-BFD1-19745D3FCB6C}" dt="2021-08-13T07:05:02.907" v="200" actId="255"/>
+          <pc:chgData name="Mifta Nur Farid" userId="09c4264491c822bb" providerId="LiveId" clId="{0F721C68-153B-48CC-BFD1-19745D3FCB6C}" dt="2021-08-13T14:19:16.887" v="457" actId="207"/>
           <pc:sldLayoutMkLst>
             <pc:docMk/>
             <pc:sldMasterMk cId="4025415482" sldId="2147483650"/>
             <pc:sldLayoutMk cId="580835366" sldId="2147483652"/>
           </pc:sldLayoutMkLst>
           <pc:spChg chg="mod">
-            <ac:chgData name="Mifta Nur Farid" userId="09c4264491c822bb" providerId="LiveId" clId="{0F721C68-153B-48CC-BFD1-19745D3FCB6C}" dt="2021-08-13T06:59:24.604" v="142" actId="14100"/>
+            <ac:chgData name="Mifta Nur Farid" userId="09c4264491c822bb" providerId="LiveId" clId="{0F721C68-153B-48CC-BFD1-19745D3FCB6C}" dt="2021-08-13T14:19:13.897" v="456" actId="207"/>
             <ac:spMkLst>
               <pc:docMk/>
               <pc:sldMasterMk cId="4025415482" sldId="2147483650"/>
@@ -280,6 +349,15 @@
               <ac:spMk id="2" creationId="{00000000-0000-0000-0000-000000000000}"/>
             </ac:spMkLst>
           </pc:spChg>
+          <pc:spChg chg="mod">
+            <ac:chgData name="Mifta Nur Farid" userId="09c4264491c822bb" providerId="LiveId" clId="{0F721C68-153B-48CC-BFD1-19745D3FCB6C}" dt="2021-08-13T14:19:16.887" v="457" actId="207"/>
+            <ac:spMkLst>
+              <pc:docMk/>
+              <pc:sldMasterMk cId="4025415482" sldId="2147483650"/>
+              <pc:sldLayoutMk cId="580835366" sldId="2147483652"/>
+              <ac:spMk id="3" creationId="{00000000-0000-0000-0000-000000000000}"/>
+            </ac:spMkLst>
+          </pc:spChg>
           <pc:spChg chg="del mod">
             <ac:chgData name="Mifta Nur Farid" userId="09c4264491c822bb" providerId="LiveId" clId="{0F721C68-153B-48CC-BFD1-19745D3FCB6C}" dt="2021-08-13T07:04:52.034" v="196" actId="478"/>
             <ac:spMkLst>
@@ -299,7 +377,7 @@
             </ac:spMkLst>
           </pc:spChg>
           <pc:spChg chg="mod">
-            <ac:chgData name="Mifta Nur Farid" userId="09c4264491c822bb" providerId="LiveId" clId="{0F721C68-153B-48CC-BFD1-19745D3FCB6C}" dt="2021-08-13T07:05:02.907" v="200" actId="255"/>
+            <ac:chgData name="Mifta Nur Farid" userId="09c4264491c822bb" providerId="LiveId" clId="{0F721C68-153B-48CC-BFD1-19745D3FCB6C}" dt="2021-08-13T14:16:09.450" v="342" actId="1037"/>
             <ac:spMkLst>
               <pc:docMk/>
               <pc:sldMasterMk cId="4025415482" sldId="2147483650"/>
@@ -317,7 +395,7 @@
             </ac:picMkLst>
           </pc:picChg>
           <pc:picChg chg="add mod">
-            <ac:chgData name="Mifta Nur Farid" userId="09c4264491c822bb" providerId="LiveId" clId="{0F721C68-153B-48CC-BFD1-19745D3FCB6C}" dt="2021-08-13T06:59:16.124" v="140" actId="1076"/>
+            <ac:chgData name="Mifta Nur Farid" userId="09c4264491c822bb" providerId="LiveId" clId="{0F721C68-153B-48CC-BFD1-19745D3FCB6C}" dt="2021-08-13T14:10:10.883" v="245" actId="1035"/>
             <ac:picMkLst>
               <pc:docMk/>
               <pc:sldMasterMk cId="4025415482" sldId="2147483650"/>
@@ -326,8 +404,8 @@
             </ac:picMkLst>
           </pc:picChg>
         </pc:sldLayoutChg>
-        <pc:sldLayoutChg chg="addSp delSp modSp mod">
-          <pc:chgData name="Mifta Nur Farid" userId="09c4264491c822bb" providerId="LiveId" clId="{0F721C68-153B-48CC-BFD1-19745D3FCB6C}" dt="2021-08-13T07:05:15.683" v="203" actId="478"/>
+        <pc:sldLayoutChg chg="addSp delSp modSp del mod">
+          <pc:chgData name="Mifta Nur Farid" userId="09c4264491c822bb" providerId="LiveId" clId="{0F721C68-153B-48CC-BFD1-19745D3FCB6C}" dt="2021-08-13T14:12:02.098" v="265" actId="2696"/>
           <pc:sldLayoutMkLst>
             <pc:docMk/>
             <pc:sldMasterMk cId="4025415482" sldId="2147483650"/>
@@ -443,7 +521,7 @@
           </pc:picChg>
         </pc:sldLayoutChg>
         <pc:sldLayoutChg chg="addSp delSp modSp mod">
-          <pc:chgData name="Mifta Nur Farid" userId="09c4264491c822bb" providerId="LiveId" clId="{0F721C68-153B-48CC-BFD1-19745D3FCB6C}" dt="2021-08-13T06:59:37.575" v="144"/>
+          <pc:chgData name="Mifta Nur Farid" userId="09c4264491c822bb" providerId="LiveId" clId="{0F721C68-153B-48CC-BFD1-19745D3FCB6C}" dt="2021-08-13T14:19:26.072" v="460" actId="207"/>
           <pc:sldLayoutMkLst>
             <pc:docMk/>
             <pc:sldMasterMk cId="4025415482" sldId="2147483650"/>
@@ -458,8 +536,53 @@
               <ac:spMk id="2" creationId="{00000000-0000-0000-0000-000000000000}"/>
             </ac:spMkLst>
           </pc:spChg>
-          <pc:spChg chg="add mod">
-            <ac:chgData name="Mifta Nur Farid" userId="09c4264491c822bb" providerId="LiveId" clId="{0F721C68-153B-48CC-BFD1-19745D3FCB6C}" dt="2021-08-13T06:59:37.575" v="144"/>
+          <pc:spChg chg="mod">
+            <ac:chgData name="Mifta Nur Farid" userId="09c4264491c822bb" providerId="LiveId" clId="{0F721C68-153B-48CC-BFD1-19745D3FCB6C}" dt="2021-08-13T14:19:24.087" v="459" actId="207"/>
+            <ac:spMkLst>
+              <pc:docMk/>
+              <pc:sldMasterMk cId="4025415482" sldId="2147483650"/>
+              <pc:sldLayoutMk cId="1357320031" sldId="2147483654"/>
+              <ac:spMk id="3" creationId="{00000000-0000-0000-0000-000000000000}"/>
+            </ac:spMkLst>
+          </pc:spChg>
+          <pc:spChg chg="mod">
+            <ac:chgData name="Mifta Nur Farid" userId="09c4264491c822bb" providerId="LiveId" clId="{0F721C68-153B-48CC-BFD1-19745D3FCB6C}" dt="2021-08-13T14:19:26.072" v="460" actId="207"/>
+            <ac:spMkLst>
+              <pc:docMk/>
+              <pc:sldMasterMk cId="4025415482" sldId="2147483650"/>
+              <pc:sldLayoutMk cId="1357320031" sldId="2147483654"/>
+              <ac:spMk id="4" creationId="{00000000-0000-0000-0000-000000000000}"/>
+            </ac:spMkLst>
+          </pc:spChg>
+          <pc:spChg chg="del">
+            <ac:chgData name="Mifta Nur Farid" userId="09c4264491c822bb" providerId="LiveId" clId="{0F721C68-153B-48CC-BFD1-19745D3FCB6C}" dt="2021-08-13T14:14:06.718" v="283" actId="478"/>
+            <ac:spMkLst>
+              <pc:docMk/>
+              <pc:sldMasterMk cId="4025415482" sldId="2147483650"/>
+              <pc:sldLayoutMk cId="1357320031" sldId="2147483654"/>
+              <ac:spMk id="5" creationId="{00000000-0000-0000-0000-000000000000}"/>
+            </ac:spMkLst>
+          </pc:spChg>
+          <pc:spChg chg="del">
+            <ac:chgData name="Mifta Nur Farid" userId="09c4264491c822bb" providerId="LiveId" clId="{0F721C68-153B-48CC-BFD1-19745D3FCB6C}" dt="2021-08-13T14:14:10.208" v="284" actId="478"/>
+            <ac:spMkLst>
+              <pc:docMk/>
+              <pc:sldMasterMk cId="4025415482" sldId="2147483650"/>
+              <pc:sldLayoutMk cId="1357320031" sldId="2147483654"/>
+              <ac:spMk id="6" creationId="{00000000-0000-0000-0000-000000000000}"/>
+            </ac:spMkLst>
+          </pc:spChg>
+          <pc:spChg chg="add del mod">
+            <ac:chgData name="Mifta Nur Farid" userId="09c4264491c822bb" providerId="LiveId" clId="{0F721C68-153B-48CC-BFD1-19745D3FCB6C}" dt="2021-08-13T14:16:39.789" v="343" actId="478"/>
+            <ac:spMkLst>
+              <pc:docMk/>
+              <pc:sldMasterMk cId="4025415482" sldId="2147483650"/>
+              <pc:sldLayoutMk cId="1357320031" sldId="2147483654"/>
+              <ac:spMk id="7" creationId="{00000000-0000-0000-0000-000000000000}"/>
+            </ac:spMkLst>
+          </pc:spChg>
+          <pc:spChg chg="add del mod">
+            <ac:chgData name="Mifta Nur Farid" userId="09c4264491c822bb" providerId="LiveId" clId="{0F721C68-153B-48CC-BFD1-19745D3FCB6C}" dt="2021-08-13T14:10:21.261" v="247" actId="478"/>
             <ac:spMkLst>
               <pc:docMk/>
               <pc:sldMasterMk cId="4025415482" sldId="2147483650"/>
@@ -467,8 +590,26 @@
               <ac:spMk id="9" creationId="{24839231-41F1-4DDE-89A7-66325C4F32CE}"/>
             </ac:spMkLst>
           </pc:spChg>
-          <pc:picChg chg="add mod">
-            <ac:chgData name="Mifta Nur Farid" userId="09c4264491c822bb" providerId="LiveId" clId="{0F721C68-153B-48CC-BFD1-19745D3FCB6C}" dt="2021-08-13T06:57:48.560" v="122"/>
+          <pc:spChg chg="add mod">
+            <ac:chgData name="Mifta Nur Farid" userId="09c4264491c822bb" providerId="LiveId" clId="{0F721C68-153B-48CC-BFD1-19745D3FCB6C}" dt="2021-08-13T14:19:21.999" v="458" actId="207"/>
+            <ac:spMkLst>
+              <pc:docMk/>
+              <pc:sldMasterMk cId="4025415482" sldId="2147483650"/>
+              <pc:sldLayoutMk cId="1357320031" sldId="2147483654"/>
+              <ac:spMk id="11" creationId="{0A11EAD0-2563-42C3-871D-8D66BFCF1DF9}"/>
+            </ac:spMkLst>
+          </pc:spChg>
+          <pc:spChg chg="add mod">
+            <ac:chgData name="Mifta Nur Farid" userId="09c4264491c822bb" providerId="LiveId" clId="{0F721C68-153B-48CC-BFD1-19745D3FCB6C}" dt="2021-08-13T14:16:40.303" v="344"/>
+            <ac:spMkLst>
+              <pc:docMk/>
+              <pc:sldMasterMk cId="4025415482" sldId="2147483650"/>
+              <pc:sldLayoutMk cId="1357320031" sldId="2147483654"/>
+              <ac:spMk id="14" creationId="{BFA3D896-B707-4FA9-9A6E-3279A13FDAAA}"/>
+            </ac:spMkLst>
+          </pc:spChg>
+          <pc:picChg chg="add del mod ord">
+            <ac:chgData name="Mifta Nur Farid" userId="09c4264491c822bb" providerId="LiveId" clId="{0F721C68-153B-48CC-BFD1-19745D3FCB6C}" dt="2021-08-13T14:16:39.789" v="343" actId="478"/>
             <ac:picMkLst>
               <pc:docMk/>
               <pc:sldMasterMk cId="4025415482" sldId="2147483650"/>
@@ -476,8 +617,8 @@
               <ac:picMk id="8" creationId="{092A039E-8AC5-418A-A8B3-98A082BDEDF1}"/>
             </ac:picMkLst>
           </pc:picChg>
-          <pc:picChg chg="add mod">
-            <ac:chgData name="Mifta Nur Farid" userId="09c4264491c822bb" providerId="LiveId" clId="{0F721C68-153B-48CC-BFD1-19745D3FCB6C}" dt="2021-08-13T06:59:37.575" v="144"/>
+          <pc:picChg chg="add del mod">
+            <ac:chgData name="Mifta Nur Farid" userId="09c4264491c822bb" providerId="LiveId" clId="{0F721C68-153B-48CC-BFD1-19745D3FCB6C}" dt="2021-08-13T14:10:20.212" v="246" actId="478"/>
             <ac:picMkLst>
               <pc:docMk/>
               <pc:sldMasterMk cId="4025415482" sldId="2147483650"/>
@@ -485,9 +626,27 @@
               <ac:picMk id="10" creationId="{79503AA8-308A-4A36-ABEA-F687706CE918}"/>
             </ac:picMkLst>
           </pc:picChg>
+          <pc:picChg chg="add mod">
+            <ac:chgData name="Mifta Nur Farid" userId="09c4264491c822bb" providerId="LiveId" clId="{0F721C68-153B-48CC-BFD1-19745D3FCB6C}" dt="2021-08-13T14:10:22.370" v="248"/>
+            <ac:picMkLst>
+              <pc:docMk/>
+              <pc:sldMasterMk cId="4025415482" sldId="2147483650"/>
+              <pc:sldLayoutMk cId="1357320031" sldId="2147483654"/>
+              <ac:picMk id="12" creationId="{8A28C0D6-353F-4FC8-958E-C46808DD0140}"/>
+            </ac:picMkLst>
+          </pc:picChg>
+          <pc:picChg chg="add mod">
+            <ac:chgData name="Mifta Nur Farid" userId="09c4264491c822bb" providerId="LiveId" clId="{0F721C68-153B-48CC-BFD1-19745D3FCB6C}" dt="2021-08-13T14:16:40.303" v="344"/>
+            <ac:picMkLst>
+              <pc:docMk/>
+              <pc:sldMasterMk cId="4025415482" sldId="2147483650"/>
+              <pc:sldLayoutMk cId="1357320031" sldId="2147483654"/>
+              <ac:picMk id="13" creationId="{53BCD5B9-09E1-4330-BA39-15985F8B2D83}"/>
+            </ac:picMkLst>
+          </pc:picChg>
         </pc:sldLayoutChg>
         <pc:sldLayoutChg chg="addSp delSp modSp mod">
-          <pc:chgData name="Mifta Nur Farid" userId="09c4264491c822bb" providerId="LiveId" clId="{0F721C68-153B-48CC-BFD1-19745D3FCB6C}" dt="2021-08-13T06:59:43.688" v="146"/>
+          <pc:chgData name="Mifta Nur Farid" userId="09c4264491c822bb" providerId="LiveId" clId="{0F721C68-153B-48CC-BFD1-19745D3FCB6C}" dt="2021-08-13T14:19:37.936" v="465" actId="207"/>
           <pc:sldLayoutMkLst>
             <pc:docMk/>
             <pc:sldMasterMk cId="4025415482" sldId="2147483650"/>
@@ -502,8 +661,71 @@
               <ac:spMk id="2" creationId="{00000000-0000-0000-0000-000000000000}"/>
             </ac:spMkLst>
           </pc:spChg>
-          <pc:spChg chg="add mod">
-            <ac:chgData name="Mifta Nur Farid" userId="09c4264491c822bb" providerId="LiveId" clId="{0F721C68-153B-48CC-BFD1-19745D3FCB6C}" dt="2021-08-13T06:59:43.688" v="146"/>
+          <pc:spChg chg="mod">
+            <ac:chgData name="Mifta Nur Farid" userId="09c4264491c822bb" providerId="LiveId" clId="{0F721C68-153B-48CC-BFD1-19745D3FCB6C}" dt="2021-08-13T14:19:33.559" v="463" actId="207"/>
+            <ac:spMkLst>
+              <pc:docMk/>
+              <pc:sldMasterMk cId="4025415482" sldId="2147483650"/>
+              <pc:sldLayoutMk cId="4258695178" sldId="2147483655"/>
+              <ac:spMk id="3" creationId="{00000000-0000-0000-0000-000000000000}"/>
+            </ac:spMkLst>
+          </pc:spChg>
+          <pc:spChg chg="mod">
+            <ac:chgData name="Mifta Nur Farid" userId="09c4264491c822bb" providerId="LiveId" clId="{0F721C68-153B-48CC-BFD1-19745D3FCB6C}" dt="2021-08-13T14:19:31.552" v="462" actId="207"/>
+            <ac:spMkLst>
+              <pc:docMk/>
+              <pc:sldMasterMk cId="4025415482" sldId="2147483650"/>
+              <pc:sldLayoutMk cId="4258695178" sldId="2147483655"/>
+              <ac:spMk id="4" creationId="{00000000-0000-0000-0000-000000000000}"/>
+            </ac:spMkLst>
+          </pc:spChg>
+          <pc:spChg chg="mod">
+            <ac:chgData name="Mifta Nur Farid" userId="09c4264491c822bb" providerId="LiveId" clId="{0F721C68-153B-48CC-BFD1-19745D3FCB6C}" dt="2021-08-13T14:19:35.415" v="464" actId="207"/>
+            <ac:spMkLst>
+              <pc:docMk/>
+              <pc:sldMasterMk cId="4025415482" sldId="2147483650"/>
+              <pc:sldLayoutMk cId="4258695178" sldId="2147483655"/>
+              <ac:spMk id="5" creationId="{00000000-0000-0000-0000-000000000000}"/>
+            </ac:spMkLst>
+          </pc:spChg>
+          <pc:spChg chg="mod">
+            <ac:chgData name="Mifta Nur Farid" userId="09c4264491c822bb" providerId="LiveId" clId="{0F721C68-153B-48CC-BFD1-19745D3FCB6C}" dt="2021-08-13T14:19:37.936" v="465" actId="207"/>
+            <ac:spMkLst>
+              <pc:docMk/>
+              <pc:sldMasterMk cId="4025415482" sldId="2147483650"/>
+              <pc:sldLayoutMk cId="4258695178" sldId="2147483655"/>
+              <ac:spMk id="6" creationId="{00000000-0000-0000-0000-000000000000}"/>
+            </ac:spMkLst>
+          </pc:spChg>
+          <pc:spChg chg="del">
+            <ac:chgData name="Mifta Nur Farid" userId="09c4264491c822bb" providerId="LiveId" clId="{0F721C68-153B-48CC-BFD1-19745D3FCB6C}" dt="2021-08-13T14:14:50.686" v="295" actId="478"/>
+            <ac:spMkLst>
+              <pc:docMk/>
+              <pc:sldMasterMk cId="4025415482" sldId="2147483650"/>
+              <pc:sldLayoutMk cId="4258695178" sldId="2147483655"/>
+              <ac:spMk id="7" creationId="{00000000-0000-0000-0000-000000000000}"/>
+            </ac:spMkLst>
+          </pc:spChg>
+          <pc:spChg chg="del">
+            <ac:chgData name="Mifta Nur Farid" userId="09c4264491c822bb" providerId="LiveId" clId="{0F721C68-153B-48CC-BFD1-19745D3FCB6C}" dt="2021-08-13T14:14:58.037" v="298" actId="478"/>
+            <ac:spMkLst>
+              <pc:docMk/>
+              <pc:sldMasterMk cId="4025415482" sldId="2147483650"/>
+              <pc:sldLayoutMk cId="4258695178" sldId="2147483655"/>
+              <ac:spMk id="8" creationId="{00000000-0000-0000-0000-000000000000}"/>
+            </ac:spMkLst>
+          </pc:spChg>
+          <pc:spChg chg="del mod">
+            <ac:chgData name="Mifta Nur Farid" userId="09c4264491c822bb" providerId="LiveId" clId="{0F721C68-153B-48CC-BFD1-19745D3FCB6C}" dt="2021-08-13T14:16:44.813" v="345" actId="478"/>
+            <ac:spMkLst>
+              <pc:docMk/>
+              <pc:sldMasterMk cId="4025415482" sldId="2147483650"/>
+              <pc:sldLayoutMk cId="4258695178" sldId="2147483655"/>
+              <ac:spMk id="9" creationId="{00000000-0000-0000-0000-000000000000}"/>
+            </ac:spMkLst>
+          </pc:spChg>
+          <pc:spChg chg="add del mod">
+            <ac:chgData name="Mifta Nur Farid" userId="09c4264491c822bb" providerId="LiveId" clId="{0F721C68-153B-48CC-BFD1-19745D3FCB6C}" dt="2021-08-13T14:10:32.950" v="249" actId="478"/>
             <ac:spMkLst>
               <pc:docMk/>
               <pc:sldMasterMk cId="4025415482" sldId="2147483650"/>
@@ -511,8 +733,26 @@
               <ac:spMk id="11" creationId="{0C6C0D22-56AE-4509-AF72-7812D5DAD0D5}"/>
             </ac:spMkLst>
           </pc:spChg>
-          <pc:picChg chg="add mod">
-            <ac:chgData name="Mifta Nur Farid" userId="09c4264491c822bb" providerId="LiveId" clId="{0F721C68-153B-48CC-BFD1-19745D3FCB6C}" dt="2021-08-13T06:57:50.935" v="123"/>
+          <pc:spChg chg="add mod">
+            <ac:chgData name="Mifta Nur Farid" userId="09c4264491c822bb" providerId="LiveId" clId="{0F721C68-153B-48CC-BFD1-19745D3FCB6C}" dt="2021-08-13T14:19:29.623" v="461" actId="207"/>
+            <ac:spMkLst>
+              <pc:docMk/>
+              <pc:sldMasterMk cId="4025415482" sldId="2147483650"/>
+              <pc:sldLayoutMk cId="4258695178" sldId="2147483655"/>
+              <ac:spMk id="13" creationId="{00260E96-8ABF-4160-A0A4-9402FAA29C83}"/>
+            </ac:spMkLst>
+          </pc:spChg>
+          <pc:spChg chg="add mod">
+            <ac:chgData name="Mifta Nur Farid" userId="09c4264491c822bb" providerId="LiveId" clId="{0F721C68-153B-48CC-BFD1-19745D3FCB6C}" dt="2021-08-13T14:16:45.295" v="346"/>
+            <ac:spMkLst>
+              <pc:docMk/>
+              <pc:sldMasterMk cId="4025415482" sldId="2147483650"/>
+              <pc:sldLayoutMk cId="4258695178" sldId="2147483655"/>
+              <ac:spMk id="16" creationId="{13EC969A-978A-45AA-8116-638EE1EC4A44}"/>
+            </ac:spMkLst>
+          </pc:spChg>
+          <pc:picChg chg="add del mod ord">
+            <ac:chgData name="Mifta Nur Farid" userId="09c4264491c822bb" providerId="LiveId" clId="{0F721C68-153B-48CC-BFD1-19745D3FCB6C}" dt="2021-08-13T14:16:44.813" v="345" actId="478"/>
             <ac:picMkLst>
               <pc:docMk/>
               <pc:sldMasterMk cId="4025415482" sldId="2147483650"/>
@@ -520,8 +760,8 @@
               <ac:picMk id="10" creationId="{42BD5DE3-230B-4578-AF49-B21D01138999}"/>
             </ac:picMkLst>
           </pc:picChg>
-          <pc:picChg chg="add mod">
-            <ac:chgData name="Mifta Nur Farid" userId="09c4264491c822bb" providerId="LiveId" clId="{0F721C68-153B-48CC-BFD1-19745D3FCB6C}" dt="2021-08-13T06:59:43.688" v="146"/>
+          <pc:picChg chg="add del mod">
+            <ac:chgData name="Mifta Nur Farid" userId="09c4264491c822bb" providerId="LiveId" clId="{0F721C68-153B-48CC-BFD1-19745D3FCB6C}" dt="2021-08-13T14:10:32.950" v="249" actId="478"/>
             <ac:picMkLst>
               <pc:docMk/>
               <pc:sldMasterMk cId="4025415482" sldId="2147483650"/>
@@ -529,9 +769,27 @@
               <ac:picMk id="12" creationId="{4E715BBD-7DE7-4189-808B-0FEB25A83BFD}"/>
             </ac:picMkLst>
           </pc:picChg>
+          <pc:picChg chg="add mod">
+            <ac:chgData name="Mifta Nur Farid" userId="09c4264491c822bb" providerId="LiveId" clId="{0F721C68-153B-48CC-BFD1-19745D3FCB6C}" dt="2021-08-13T14:10:37.948" v="250"/>
+            <ac:picMkLst>
+              <pc:docMk/>
+              <pc:sldMasterMk cId="4025415482" sldId="2147483650"/>
+              <pc:sldLayoutMk cId="4258695178" sldId="2147483655"/>
+              <ac:picMk id="14" creationId="{88126473-F3EA-47D3-A851-71FDB1B54880}"/>
+            </ac:picMkLst>
+          </pc:picChg>
+          <pc:picChg chg="add mod">
+            <ac:chgData name="Mifta Nur Farid" userId="09c4264491c822bb" providerId="LiveId" clId="{0F721C68-153B-48CC-BFD1-19745D3FCB6C}" dt="2021-08-13T14:16:45.295" v="346"/>
+            <ac:picMkLst>
+              <pc:docMk/>
+              <pc:sldMasterMk cId="4025415482" sldId="2147483650"/>
+              <pc:sldLayoutMk cId="4258695178" sldId="2147483655"/>
+              <ac:picMk id="15" creationId="{143FCD99-C293-43E7-AD0A-B018E2BF0E13}"/>
+            </ac:picMkLst>
+          </pc:picChg>
         </pc:sldLayoutChg>
         <pc:sldLayoutChg chg="addSp delSp modSp mod">
-          <pc:chgData name="Mifta Nur Farid" userId="09c4264491c822bb" providerId="LiveId" clId="{0F721C68-153B-48CC-BFD1-19745D3FCB6C}" dt="2021-08-13T07:03:04.330" v="171"/>
+          <pc:chgData name="Mifta Nur Farid" userId="09c4264491c822bb" providerId="LiveId" clId="{0F721C68-153B-48CC-BFD1-19745D3FCB6C}" dt="2021-08-13T14:19:40.967" v="466" actId="207"/>
           <pc:sldLayoutMkLst>
             <pc:docMk/>
             <pc:sldMasterMk cId="4025415482" sldId="2147483650"/>
@@ -546,8 +804,35 @@
               <ac:spMk id="2" creationId="{00000000-0000-0000-0000-000000000000}"/>
             </ac:spMkLst>
           </pc:spChg>
-          <pc:spChg chg="add mod">
-            <ac:chgData name="Mifta Nur Farid" userId="09c4264491c822bb" providerId="LiveId" clId="{0F721C68-153B-48CC-BFD1-19745D3FCB6C}" dt="2021-08-13T07:03:04.330" v="171"/>
+          <pc:spChg chg="del">
+            <ac:chgData name="Mifta Nur Farid" userId="09c4264491c822bb" providerId="LiveId" clId="{0F721C68-153B-48CC-BFD1-19745D3FCB6C}" dt="2021-08-13T14:15:19.572" v="309" actId="478"/>
+            <ac:spMkLst>
+              <pc:docMk/>
+              <pc:sldMasterMk cId="4025415482" sldId="2147483650"/>
+              <pc:sldLayoutMk cId="1988435289" sldId="2147483656"/>
+              <ac:spMk id="3" creationId="{00000000-0000-0000-0000-000000000000}"/>
+            </ac:spMkLst>
+          </pc:spChg>
+          <pc:spChg chg="del">
+            <ac:chgData name="Mifta Nur Farid" userId="09c4264491c822bb" providerId="LiveId" clId="{0F721C68-153B-48CC-BFD1-19745D3FCB6C}" dt="2021-08-13T14:15:34.193" v="318" actId="478"/>
+            <ac:spMkLst>
+              <pc:docMk/>
+              <pc:sldMasterMk cId="4025415482" sldId="2147483650"/>
+              <pc:sldLayoutMk cId="1988435289" sldId="2147483656"/>
+              <ac:spMk id="4" creationId="{00000000-0000-0000-0000-000000000000}"/>
+            </ac:spMkLst>
+          </pc:spChg>
+          <pc:spChg chg="del mod">
+            <ac:chgData name="Mifta Nur Farid" userId="09c4264491c822bb" providerId="LiveId" clId="{0F721C68-153B-48CC-BFD1-19745D3FCB6C}" dt="2021-08-13T14:16:51.061" v="347" actId="478"/>
+            <ac:spMkLst>
+              <pc:docMk/>
+              <pc:sldMasterMk cId="4025415482" sldId="2147483650"/>
+              <pc:sldLayoutMk cId="1988435289" sldId="2147483656"/>
+              <ac:spMk id="5" creationId="{00000000-0000-0000-0000-000000000000}"/>
+            </ac:spMkLst>
+          </pc:spChg>
+          <pc:spChg chg="add del mod">
+            <ac:chgData name="Mifta Nur Farid" userId="09c4264491c822bb" providerId="LiveId" clId="{0F721C68-153B-48CC-BFD1-19745D3FCB6C}" dt="2021-08-13T14:10:51.739" v="252" actId="478"/>
             <ac:spMkLst>
               <pc:docMk/>
               <pc:sldMasterMk cId="4025415482" sldId="2147483650"/>
@@ -555,8 +840,26 @@
               <ac:spMk id="7" creationId="{4362DEAF-F9FC-4A70-957F-A83E44CBA5D7}"/>
             </ac:spMkLst>
           </pc:spChg>
-          <pc:picChg chg="add mod">
-            <ac:chgData name="Mifta Nur Farid" userId="09c4264491c822bb" providerId="LiveId" clId="{0F721C68-153B-48CC-BFD1-19745D3FCB6C}" dt="2021-08-13T06:57:52.919" v="124"/>
+          <pc:spChg chg="add mod">
+            <ac:chgData name="Mifta Nur Farid" userId="09c4264491c822bb" providerId="LiveId" clId="{0F721C68-153B-48CC-BFD1-19745D3FCB6C}" dt="2021-08-13T14:19:40.967" v="466" actId="207"/>
+            <ac:spMkLst>
+              <pc:docMk/>
+              <pc:sldMasterMk cId="4025415482" sldId="2147483650"/>
+              <pc:sldLayoutMk cId="1988435289" sldId="2147483656"/>
+              <ac:spMk id="9" creationId="{2AF071CC-837B-40B2-A4A9-02034BB2C4A1}"/>
+            </ac:spMkLst>
+          </pc:spChg>
+          <pc:spChg chg="add mod">
+            <ac:chgData name="Mifta Nur Farid" userId="09c4264491c822bb" providerId="LiveId" clId="{0F721C68-153B-48CC-BFD1-19745D3FCB6C}" dt="2021-08-13T14:16:51.482" v="348"/>
+            <ac:spMkLst>
+              <pc:docMk/>
+              <pc:sldMasterMk cId="4025415482" sldId="2147483650"/>
+              <pc:sldLayoutMk cId="1988435289" sldId="2147483656"/>
+              <ac:spMk id="12" creationId="{A150FC21-3F3A-4204-8484-846EBE491B94}"/>
+            </ac:spMkLst>
+          </pc:spChg>
+          <pc:picChg chg="add del mod ord">
+            <ac:chgData name="Mifta Nur Farid" userId="09c4264491c822bb" providerId="LiveId" clId="{0F721C68-153B-48CC-BFD1-19745D3FCB6C}" dt="2021-08-13T14:16:51.061" v="347" actId="478"/>
             <ac:picMkLst>
               <pc:docMk/>
               <pc:sldMasterMk cId="4025415482" sldId="2147483650"/>
@@ -564,8 +867,8 @@
               <ac:picMk id="6" creationId="{EEB74424-55F6-4883-A2BC-9541AEE4A58E}"/>
             </ac:picMkLst>
           </pc:picChg>
-          <pc:picChg chg="add mod">
-            <ac:chgData name="Mifta Nur Farid" userId="09c4264491c822bb" providerId="LiveId" clId="{0F721C68-153B-48CC-BFD1-19745D3FCB6C}" dt="2021-08-13T07:03:04.330" v="171"/>
+          <pc:picChg chg="add del mod">
+            <ac:chgData name="Mifta Nur Farid" userId="09c4264491c822bb" providerId="LiveId" clId="{0F721C68-153B-48CC-BFD1-19745D3FCB6C}" dt="2021-08-13T14:10:51.739" v="252" actId="478"/>
             <ac:picMkLst>
               <pc:docMk/>
               <pc:sldMasterMk cId="4025415482" sldId="2147483650"/>
@@ -573,9 +876,27 @@
               <ac:picMk id="8" creationId="{AC9ED7DB-440F-4DDB-9E98-EAE145F09760}"/>
             </ac:picMkLst>
           </pc:picChg>
+          <pc:picChg chg="add mod">
+            <ac:chgData name="Mifta Nur Farid" userId="09c4264491c822bb" providerId="LiveId" clId="{0F721C68-153B-48CC-BFD1-19745D3FCB6C}" dt="2021-08-13T14:10:52.303" v="253"/>
+            <ac:picMkLst>
+              <pc:docMk/>
+              <pc:sldMasterMk cId="4025415482" sldId="2147483650"/>
+              <pc:sldLayoutMk cId="1988435289" sldId="2147483656"/>
+              <ac:picMk id="10" creationId="{CA9047D6-58A8-4F73-91E0-E3FD4AE63599}"/>
+            </ac:picMkLst>
+          </pc:picChg>
+          <pc:picChg chg="add mod">
+            <ac:chgData name="Mifta Nur Farid" userId="09c4264491c822bb" providerId="LiveId" clId="{0F721C68-153B-48CC-BFD1-19745D3FCB6C}" dt="2021-08-13T14:16:51.482" v="348"/>
+            <ac:picMkLst>
+              <pc:docMk/>
+              <pc:sldMasterMk cId="4025415482" sldId="2147483650"/>
+              <pc:sldLayoutMk cId="1988435289" sldId="2147483656"/>
+              <ac:picMk id="11" creationId="{F3F2E7E2-1454-4B5F-8412-201C14FDCBFB}"/>
+            </ac:picMkLst>
+          </pc:picChg>
         </pc:sldLayoutChg>
         <pc:sldLayoutChg chg="addSp delSp modSp mod">
-          <pc:chgData name="Mifta Nur Farid" userId="09c4264491c822bb" providerId="LiveId" clId="{0F721C68-153B-48CC-BFD1-19745D3FCB6C}" dt="2021-08-13T07:02:44.927" v="169"/>
+          <pc:chgData name="Mifta Nur Farid" userId="09c4264491c822bb" providerId="LiveId" clId="{0F721C68-153B-48CC-BFD1-19745D3FCB6C}" dt="2021-08-13T14:12:13.252" v="267"/>
           <pc:sldLayoutMkLst>
             <pc:docMk/>
             <pc:sldMasterMk cId="4025415482" sldId="2147483650"/>
@@ -608,6 +929,24 @@
               <ac:spMk id="4" creationId="{00000000-0000-0000-0000-000000000000}"/>
             </ac:spMkLst>
           </pc:spChg>
+          <pc:picChg chg="add mod">
+            <ac:chgData name="Mifta Nur Farid" userId="09c4264491c822bb" providerId="LiveId" clId="{0F721C68-153B-48CC-BFD1-19745D3FCB6C}" dt="2021-08-13T14:12:13.252" v="267"/>
+            <ac:picMkLst>
+              <pc:docMk/>
+              <pc:sldMasterMk cId="4025415482" sldId="2147483650"/>
+              <pc:sldLayoutMk cId="1287727409" sldId="2147483657"/>
+              <ac:picMk id="4" creationId="{E84AD1BF-C366-480D-A6E2-E5B9B2D0A988}"/>
+            </ac:picMkLst>
+          </pc:picChg>
+          <pc:picChg chg="add mod">
+            <ac:chgData name="Mifta Nur Farid" userId="09c4264491c822bb" providerId="LiveId" clId="{0F721C68-153B-48CC-BFD1-19745D3FCB6C}" dt="2021-08-13T14:12:13.252" v="267"/>
+            <ac:picMkLst>
+              <pc:docMk/>
+              <pc:sldMasterMk cId="4025415482" sldId="2147483650"/>
+              <pc:sldLayoutMk cId="1287727409" sldId="2147483657"/>
+              <ac:picMk id="5" creationId="{7FF434C8-2C62-46D4-8297-D397C0B40D8B}"/>
+            </ac:picMkLst>
+          </pc:picChg>
           <pc:picChg chg="add del mod">
             <ac:chgData name="Mifta Nur Farid" userId="09c4264491c822bb" providerId="LiveId" clId="{0F721C68-153B-48CC-BFD1-19745D3FCB6C}" dt="2021-08-13T07:02:28.289" v="167" actId="478"/>
             <ac:picMkLst>
@@ -626,8 +965,8 @@
               <ac:picMk id="6" creationId="{05AF5B9A-3EA7-4F43-81E7-501F592731C1}"/>
             </ac:picMkLst>
           </pc:picChg>
-          <pc:picChg chg="add mod">
-            <ac:chgData name="Mifta Nur Farid" userId="09c4264491c822bb" providerId="LiveId" clId="{0F721C68-153B-48CC-BFD1-19745D3FCB6C}" dt="2021-08-13T07:02:44.927" v="169"/>
+          <pc:picChg chg="add del mod">
+            <ac:chgData name="Mifta Nur Farid" userId="09c4264491c822bb" providerId="LiveId" clId="{0F721C68-153B-48CC-BFD1-19745D3FCB6C}" dt="2021-08-13T14:12:12.534" v="266" actId="478"/>
             <ac:picMkLst>
               <pc:docMk/>
               <pc:sldMasterMk cId="4025415482" sldId="2147483650"/>
@@ -635,8 +974,8 @@
               <ac:picMk id="7" creationId="{67D985FD-1EA1-406E-8CA8-46335C097E9E}"/>
             </ac:picMkLst>
           </pc:picChg>
-          <pc:picChg chg="add mod">
-            <ac:chgData name="Mifta Nur Farid" userId="09c4264491c822bb" providerId="LiveId" clId="{0F721C68-153B-48CC-BFD1-19745D3FCB6C}" dt="2021-08-13T07:02:44.927" v="169"/>
+          <pc:picChg chg="add del mod">
+            <ac:chgData name="Mifta Nur Farid" userId="09c4264491c822bb" providerId="LiveId" clId="{0F721C68-153B-48CC-BFD1-19745D3FCB6C}" dt="2021-08-13T14:12:12.534" v="266" actId="478"/>
             <ac:picMkLst>
               <pc:docMk/>
               <pc:sldMasterMk cId="4025415482" sldId="2147483650"/>
@@ -646,7 +985,7 @@
           </pc:picChg>
         </pc:sldLayoutChg>
         <pc:sldLayoutChg chg="addSp delSp modSp mod">
-          <pc:chgData name="Mifta Nur Farid" userId="09c4264491c822bb" providerId="LiveId" clId="{0F721C68-153B-48CC-BFD1-19745D3FCB6C}" dt="2021-08-13T07:00:14.751" v="150" actId="14100"/>
+          <pc:chgData name="Mifta Nur Farid" userId="09c4264491c822bb" providerId="LiveId" clId="{0F721C68-153B-48CC-BFD1-19745D3FCB6C}" dt="2021-08-13T14:19:48.313" v="469" actId="207"/>
           <pc:sldLayoutMkLst>
             <pc:docMk/>
             <pc:sldMasterMk cId="4025415482" sldId="2147483650"/>
@@ -662,7 +1001,7 @@
             </ac:spMkLst>
           </pc:spChg>
           <pc:spChg chg="mod">
-            <ac:chgData name="Mifta Nur Farid" userId="09c4264491c822bb" providerId="LiveId" clId="{0F721C68-153B-48CC-BFD1-19745D3FCB6C}" dt="2021-08-13T07:00:14.751" v="150" actId="14100"/>
+            <ac:chgData name="Mifta Nur Farid" userId="09c4264491c822bb" providerId="LiveId" clId="{0F721C68-153B-48CC-BFD1-19745D3FCB6C}" dt="2021-08-13T14:19:48.313" v="469" actId="207"/>
             <ac:spMkLst>
               <pc:docMk/>
               <pc:sldMasterMk cId="4025415482" sldId="2147483650"/>
@@ -671,7 +1010,7 @@
             </ac:spMkLst>
           </pc:spChg>
           <pc:spChg chg="mod">
-            <ac:chgData name="Mifta Nur Farid" userId="09c4264491c822bb" providerId="LiveId" clId="{0F721C68-153B-48CC-BFD1-19745D3FCB6C}" dt="2021-08-13T07:00:14.751" v="150" actId="14100"/>
+            <ac:chgData name="Mifta Nur Farid" userId="09c4264491c822bb" providerId="LiveId" clId="{0F721C68-153B-48CC-BFD1-19745D3FCB6C}" dt="2021-08-13T14:19:46.439" v="468" actId="207"/>
             <ac:spMkLst>
               <pc:docMk/>
               <pc:sldMasterMk cId="4025415482" sldId="2147483650"/>
@@ -679,8 +1018,35 @@
               <ac:spMk id="4" creationId="{00000000-0000-0000-0000-000000000000}"/>
             </ac:spMkLst>
           </pc:spChg>
-          <pc:spChg chg="add mod">
-            <ac:chgData name="Mifta Nur Farid" userId="09c4264491c822bb" providerId="LiveId" clId="{0F721C68-153B-48CC-BFD1-19745D3FCB6C}" dt="2021-08-13T07:00:06.811" v="149"/>
+          <pc:spChg chg="del">
+            <ac:chgData name="Mifta Nur Farid" userId="09c4264491c822bb" providerId="LiveId" clId="{0F721C68-153B-48CC-BFD1-19745D3FCB6C}" dt="2021-08-13T14:16:58.710" v="349" actId="478"/>
+            <ac:spMkLst>
+              <pc:docMk/>
+              <pc:sldMasterMk cId="4025415482" sldId="2147483650"/>
+              <pc:sldLayoutMk cId="1188067282" sldId="2147483658"/>
+              <ac:spMk id="5" creationId="{00000000-0000-0000-0000-000000000000}"/>
+            </ac:spMkLst>
+          </pc:spChg>
+          <pc:spChg chg="del">
+            <ac:chgData name="Mifta Nur Farid" userId="09c4264491c822bb" providerId="LiveId" clId="{0F721C68-153B-48CC-BFD1-19745D3FCB6C}" dt="2021-08-13T14:16:58.710" v="349" actId="478"/>
+            <ac:spMkLst>
+              <pc:docMk/>
+              <pc:sldMasterMk cId="4025415482" sldId="2147483650"/>
+              <pc:sldLayoutMk cId="1188067282" sldId="2147483658"/>
+              <ac:spMk id="6" creationId="{00000000-0000-0000-0000-000000000000}"/>
+            </ac:spMkLst>
+          </pc:spChg>
+          <pc:spChg chg="del">
+            <ac:chgData name="Mifta Nur Farid" userId="09c4264491c822bb" providerId="LiveId" clId="{0F721C68-153B-48CC-BFD1-19745D3FCB6C}" dt="2021-08-13T14:16:58.710" v="349" actId="478"/>
+            <ac:spMkLst>
+              <pc:docMk/>
+              <pc:sldMasterMk cId="4025415482" sldId="2147483650"/>
+              <pc:sldLayoutMk cId="1188067282" sldId="2147483658"/>
+              <ac:spMk id="7" creationId="{00000000-0000-0000-0000-000000000000}"/>
+            </ac:spMkLst>
+          </pc:spChg>
+          <pc:spChg chg="add del mod">
+            <ac:chgData name="Mifta Nur Farid" userId="09c4264491c822bb" providerId="LiveId" clId="{0F721C68-153B-48CC-BFD1-19745D3FCB6C}" dt="2021-08-13T14:11:00.834" v="254" actId="478"/>
             <ac:spMkLst>
               <pc:docMk/>
               <pc:sldMasterMk cId="4025415482" sldId="2147483650"/>
@@ -688,8 +1054,26 @@
               <ac:spMk id="9" creationId="{090A484F-ACF1-44AD-A775-B15E72240BB1}"/>
             </ac:spMkLst>
           </pc:spChg>
-          <pc:picChg chg="add mod">
-            <ac:chgData name="Mifta Nur Farid" userId="09c4264491c822bb" providerId="LiveId" clId="{0F721C68-153B-48CC-BFD1-19745D3FCB6C}" dt="2021-08-13T06:58:03.935" v="128"/>
+          <pc:spChg chg="add mod">
+            <ac:chgData name="Mifta Nur Farid" userId="09c4264491c822bb" providerId="LiveId" clId="{0F721C68-153B-48CC-BFD1-19745D3FCB6C}" dt="2021-08-13T14:19:44.655" v="467" actId="207"/>
+            <ac:spMkLst>
+              <pc:docMk/>
+              <pc:sldMasterMk cId="4025415482" sldId="2147483650"/>
+              <pc:sldLayoutMk cId="1188067282" sldId="2147483658"/>
+              <ac:spMk id="11" creationId="{0BD7E47E-900D-408E-9922-B1E1E1EA8F2B}"/>
+            </ac:spMkLst>
+          </pc:spChg>
+          <pc:spChg chg="add mod">
+            <ac:chgData name="Mifta Nur Farid" userId="09c4264491c822bb" providerId="LiveId" clId="{0F721C68-153B-48CC-BFD1-19745D3FCB6C}" dt="2021-08-13T14:16:59.132" v="350"/>
+            <ac:spMkLst>
+              <pc:docMk/>
+              <pc:sldMasterMk cId="4025415482" sldId="2147483650"/>
+              <pc:sldLayoutMk cId="1188067282" sldId="2147483658"/>
+              <ac:spMk id="14" creationId="{5280DB08-D718-4065-A7E9-C247CF2C8AA3}"/>
+            </ac:spMkLst>
+          </pc:spChg>
+          <pc:picChg chg="add del mod">
+            <ac:chgData name="Mifta Nur Farid" userId="09c4264491c822bb" providerId="LiveId" clId="{0F721C68-153B-48CC-BFD1-19745D3FCB6C}" dt="2021-08-13T14:16:58.710" v="349" actId="478"/>
             <ac:picMkLst>
               <pc:docMk/>
               <pc:sldMasterMk cId="4025415482" sldId="2147483650"/>
@@ -697,8 +1081,8 @@
               <ac:picMk id="8" creationId="{7F59BC7A-97F6-4499-9DA2-D89DBBFE5265}"/>
             </ac:picMkLst>
           </pc:picChg>
-          <pc:picChg chg="add mod">
-            <ac:chgData name="Mifta Nur Farid" userId="09c4264491c822bb" providerId="LiveId" clId="{0F721C68-153B-48CC-BFD1-19745D3FCB6C}" dt="2021-08-13T07:00:06.811" v="149"/>
+          <pc:picChg chg="add del mod">
+            <ac:chgData name="Mifta Nur Farid" userId="09c4264491c822bb" providerId="LiveId" clId="{0F721C68-153B-48CC-BFD1-19745D3FCB6C}" dt="2021-08-13T14:11:00.834" v="254" actId="478"/>
             <ac:picMkLst>
               <pc:docMk/>
               <pc:sldMasterMk cId="4025415482" sldId="2147483650"/>
@@ -706,9 +1090,27 @@
               <ac:picMk id="10" creationId="{D9F7B616-0667-42FD-9416-206A8A918599}"/>
             </ac:picMkLst>
           </pc:picChg>
+          <pc:picChg chg="add mod">
+            <ac:chgData name="Mifta Nur Farid" userId="09c4264491c822bb" providerId="LiveId" clId="{0F721C68-153B-48CC-BFD1-19745D3FCB6C}" dt="2021-08-13T14:11:01.415" v="255"/>
+            <ac:picMkLst>
+              <pc:docMk/>
+              <pc:sldMasterMk cId="4025415482" sldId="2147483650"/>
+              <pc:sldLayoutMk cId="1188067282" sldId="2147483658"/>
+              <ac:picMk id="12" creationId="{0E1572A9-65A9-4CFD-B7B9-F158683EC6FC}"/>
+            </ac:picMkLst>
+          </pc:picChg>
+          <pc:picChg chg="add mod">
+            <ac:chgData name="Mifta Nur Farid" userId="09c4264491c822bb" providerId="LiveId" clId="{0F721C68-153B-48CC-BFD1-19745D3FCB6C}" dt="2021-08-13T14:16:59.132" v="350"/>
+            <ac:picMkLst>
+              <pc:docMk/>
+              <pc:sldMasterMk cId="4025415482" sldId="2147483650"/>
+              <pc:sldLayoutMk cId="1188067282" sldId="2147483658"/>
+              <ac:picMk id="13" creationId="{1F3DB568-4ECE-4A38-891B-45FFAECCA7D2}"/>
+            </ac:picMkLst>
+          </pc:picChg>
         </pc:sldLayoutChg>
         <pc:sldLayoutChg chg="addSp delSp modSp mod">
-          <pc:chgData name="Mifta Nur Farid" userId="09c4264491c822bb" providerId="LiveId" clId="{0F721C68-153B-48CC-BFD1-19745D3FCB6C}" dt="2021-08-13T07:01:52.877" v="163" actId="14100"/>
+          <pc:chgData name="Mifta Nur Farid" userId="09c4264491c822bb" providerId="LiveId" clId="{0F721C68-153B-48CC-BFD1-19745D3FCB6C}" dt="2021-08-13T14:19:55.095" v="472" actId="207"/>
           <pc:sldLayoutMkLst>
             <pc:docMk/>
             <pc:sldMasterMk cId="4025415482" sldId="2147483650"/>
@@ -724,7 +1126,7 @@
             </ac:spMkLst>
           </pc:spChg>
           <pc:spChg chg="mod">
-            <ac:chgData name="Mifta Nur Farid" userId="09c4264491c822bb" providerId="LiveId" clId="{0F721C68-153B-48CC-BFD1-19745D3FCB6C}" dt="2021-08-13T07:01:52.877" v="163" actId="14100"/>
+            <ac:chgData name="Mifta Nur Farid" userId="09c4264491c822bb" providerId="LiveId" clId="{0F721C68-153B-48CC-BFD1-19745D3FCB6C}" dt="2021-08-13T14:19:55.095" v="472" actId="207"/>
             <ac:spMkLst>
               <pc:docMk/>
               <pc:sldMasterMk cId="4025415482" sldId="2147483650"/>
@@ -741,8 +1143,35 @@
               <ac:spMk id="4" creationId="{00000000-0000-0000-0000-000000000000}"/>
             </ac:spMkLst>
           </pc:spChg>
-          <pc:spChg chg="add mod">
-            <ac:chgData name="Mifta Nur Farid" userId="09c4264491c822bb" providerId="LiveId" clId="{0F721C68-153B-48CC-BFD1-19745D3FCB6C}" dt="2021-08-13T07:00:40.518" v="152"/>
+          <pc:spChg chg="del">
+            <ac:chgData name="Mifta Nur Farid" userId="09c4264491c822bb" providerId="LiveId" clId="{0F721C68-153B-48CC-BFD1-19745D3FCB6C}" dt="2021-08-13T14:17:07.746" v="351" actId="478"/>
+            <ac:spMkLst>
+              <pc:docMk/>
+              <pc:sldMasterMk cId="4025415482" sldId="2147483650"/>
+              <pc:sldLayoutMk cId="3540038916" sldId="2147483659"/>
+              <ac:spMk id="5" creationId="{00000000-0000-0000-0000-000000000000}"/>
+            </ac:spMkLst>
+          </pc:spChg>
+          <pc:spChg chg="del">
+            <ac:chgData name="Mifta Nur Farid" userId="09c4264491c822bb" providerId="LiveId" clId="{0F721C68-153B-48CC-BFD1-19745D3FCB6C}" dt="2021-08-13T14:17:07.746" v="351" actId="478"/>
+            <ac:spMkLst>
+              <pc:docMk/>
+              <pc:sldMasterMk cId="4025415482" sldId="2147483650"/>
+              <pc:sldLayoutMk cId="3540038916" sldId="2147483659"/>
+              <ac:spMk id="6" creationId="{00000000-0000-0000-0000-000000000000}"/>
+            </ac:spMkLst>
+          </pc:spChg>
+          <pc:spChg chg="del">
+            <ac:chgData name="Mifta Nur Farid" userId="09c4264491c822bb" providerId="LiveId" clId="{0F721C68-153B-48CC-BFD1-19745D3FCB6C}" dt="2021-08-13T14:17:07.746" v="351" actId="478"/>
+            <ac:spMkLst>
+              <pc:docMk/>
+              <pc:sldMasterMk cId="4025415482" sldId="2147483650"/>
+              <pc:sldLayoutMk cId="3540038916" sldId="2147483659"/>
+              <ac:spMk id="7" creationId="{00000000-0000-0000-0000-000000000000}"/>
+            </ac:spMkLst>
+          </pc:spChg>
+          <pc:spChg chg="add del mod">
+            <ac:chgData name="Mifta Nur Farid" userId="09c4264491c822bb" providerId="LiveId" clId="{0F721C68-153B-48CC-BFD1-19745D3FCB6C}" dt="2021-08-13T14:11:08.788" v="256" actId="478"/>
             <ac:spMkLst>
               <pc:docMk/>
               <pc:sldMasterMk cId="4025415482" sldId="2147483650"/>
@@ -750,8 +1179,8 @@
               <ac:spMk id="9" creationId="{CFC1B5C8-5AEA-4902-81AB-69DD7ABED720}"/>
             </ac:spMkLst>
           </pc:spChg>
-          <pc:spChg chg="add mod">
-            <ac:chgData name="Mifta Nur Farid" userId="09c4264491c822bb" providerId="LiveId" clId="{0F721C68-153B-48CC-BFD1-19745D3FCB6C}" dt="2021-08-13T07:01:48.724" v="162"/>
+          <pc:spChg chg="add del mod">
+            <ac:chgData name="Mifta Nur Farid" userId="09c4264491c822bb" providerId="LiveId" clId="{0F721C68-153B-48CC-BFD1-19745D3FCB6C}" dt="2021-08-13T14:11:23.345" v="259" actId="478"/>
             <ac:spMkLst>
               <pc:docMk/>
               <pc:sldMasterMk cId="4025415482" sldId="2147483650"/>
@@ -759,8 +1188,35 @@
               <ac:spMk id="11" creationId="{FA69D2D2-54B6-4986-B243-10BA44A9E648}"/>
             </ac:spMkLst>
           </pc:spChg>
-          <pc:picChg chg="add mod">
-            <ac:chgData name="Mifta Nur Farid" userId="09c4264491c822bb" providerId="LiveId" clId="{0F721C68-153B-48CC-BFD1-19745D3FCB6C}" dt="2021-08-13T06:58:05.642" v="129"/>
+          <pc:spChg chg="add mod">
+            <ac:chgData name="Mifta Nur Farid" userId="09c4264491c822bb" providerId="LiveId" clId="{0F721C68-153B-48CC-BFD1-19745D3FCB6C}" dt="2021-08-13T14:19:51.455" v="470" actId="207"/>
+            <ac:spMkLst>
+              <pc:docMk/>
+              <pc:sldMasterMk cId="4025415482" sldId="2147483650"/>
+              <pc:sldLayoutMk cId="3540038916" sldId="2147483659"/>
+              <ac:spMk id="12" creationId="{01CAE8FB-7AAC-44C7-9943-DDFE53756503}"/>
+            </ac:spMkLst>
+          </pc:spChg>
+          <pc:spChg chg="add mod">
+            <ac:chgData name="Mifta Nur Farid" userId="09c4264491c822bb" providerId="LiveId" clId="{0F721C68-153B-48CC-BFD1-19745D3FCB6C}" dt="2021-08-13T14:19:53.103" v="471" actId="207"/>
+            <ac:spMkLst>
+              <pc:docMk/>
+              <pc:sldMasterMk cId="4025415482" sldId="2147483650"/>
+              <pc:sldLayoutMk cId="3540038916" sldId="2147483659"/>
+              <ac:spMk id="14" creationId="{2394AE66-8E75-4AA5-9DBD-8E821ADF68DA}"/>
+            </ac:spMkLst>
+          </pc:spChg>
+          <pc:spChg chg="add mod">
+            <ac:chgData name="Mifta Nur Farid" userId="09c4264491c822bb" providerId="LiveId" clId="{0F721C68-153B-48CC-BFD1-19745D3FCB6C}" dt="2021-08-13T14:17:09.335" v="352"/>
+            <ac:spMkLst>
+              <pc:docMk/>
+              <pc:sldMasterMk cId="4025415482" sldId="2147483650"/>
+              <pc:sldLayoutMk cId="3540038916" sldId="2147483659"/>
+              <ac:spMk id="16" creationId="{C3833989-EA3A-4FE9-8D89-4E2B8FCF227D}"/>
+            </ac:spMkLst>
+          </pc:spChg>
+          <pc:picChg chg="add del mod">
+            <ac:chgData name="Mifta Nur Farid" userId="09c4264491c822bb" providerId="LiveId" clId="{0F721C68-153B-48CC-BFD1-19745D3FCB6C}" dt="2021-08-13T14:17:07.746" v="351" actId="478"/>
             <ac:picMkLst>
               <pc:docMk/>
               <pc:sldMasterMk cId="4025415482" sldId="2147483650"/>
@@ -768,8 +1224,8 @@
               <ac:picMk id="8" creationId="{CC2FC6BE-56AB-4933-B0CC-320434046FE3}"/>
             </ac:picMkLst>
           </pc:picChg>
-          <pc:picChg chg="add mod">
-            <ac:chgData name="Mifta Nur Farid" userId="09c4264491c822bb" providerId="LiveId" clId="{0F721C68-153B-48CC-BFD1-19745D3FCB6C}" dt="2021-08-13T07:00:40.518" v="152"/>
+          <pc:picChg chg="add del mod">
+            <ac:chgData name="Mifta Nur Farid" userId="09c4264491c822bb" providerId="LiveId" clId="{0F721C68-153B-48CC-BFD1-19745D3FCB6C}" dt="2021-08-13T14:11:08.788" v="256" actId="478"/>
             <ac:picMkLst>
               <pc:docMk/>
               <pc:sldMasterMk cId="4025415482" sldId="2147483650"/>
@@ -777,9 +1233,27 @@
               <ac:picMk id="10" creationId="{12FCE5E8-E90F-421E-8F57-2FA83CAB5975}"/>
             </ac:picMkLst>
           </pc:picChg>
+          <pc:picChg chg="add mod">
+            <ac:chgData name="Mifta Nur Farid" userId="09c4264491c822bb" providerId="LiveId" clId="{0F721C68-153B-48CC-BFD1-19745D3FCB6C}" dt="2021-08-13T14:11:09.597" v="257"/>
+            <ac:picMkLst>
+              <pc:docMk/>
+              <pc:sldMasterMk cId="4025415482" sldId="2147483650"/>
+              <pc:sldLayoutMk cId="3540038916" sldId="2147483659"/>
+              <ac:picMk id="13" creationId="{61927745-F323-481F-AFAD-7ECBBDA44E23}"/>
+            </ac:picMkLst>
+          </pc:picChg>
+          <pc:picChg chg="add mod">
+            <ac:chgData name="Mifta Nur Farid" userId="09c4264491c822bb" providerId="LiveId" clId="{0F721C68-153B-48CC-BFD1-19745D3FCB6C}" dt="2021-08-13T14:17:09.335" v="352"/>
+            <ac:picMkLst>
+              <pc:docMk/>
+              <pc:sldMasterMk cId="4025415482" sldId="2147483650"/>
+              <pc:sldLayoutMk cId="3540038916" sldId="2147483659"/>
+              <ac:picMk id="15" creationId="{62053DB3-032D-4C5D-B1DB-6382CEB7130B}"/>
+            </ac:picMkLst>
+          </pc:picChg>
         </pc:sldLayoutChg>
-        <pc:sldLayoutChg chg="addSp delSp modSp mod">
-          <pc:chgData name="Mifta Nur Farid" userId="09c4264491c822bb" providerId="LiveId" clId="{0F721C68-153B-48CC-BFD1-19745D3FCB6C}" dt="2021-08-13T07:02:04.168" v="165"/>
+        <pc:sldLayoutChg chg="addSp delSp modSp del mod">
+          <pc:chgData name="Mifta Nur Farid" userId="09c4264491c822bb" providerId="LiveId" clId="{0F721C68-153B-48CC-BFD1-19745D3FCB6C}" dt="2021-08-13T14:11:45.684" v="264" actId="2696"/>
           <pc:sldLayoutMkLst>
             <pc:docMk/>
             <pc:sldMasterMk cId="4025415482" sldId="2147483650"/>
@@ -794,13 +1268,22 @@
               <ac:spMk id="2" creationId="{00000000-0000-0000-0000-000000000000}"/>
             </ac:spMkLst>
           </pc:spChg>
-          <pc:spChg chg="add mod">
-            <ac:chgData name="Mifta Nur Farid" userId="09c4264491c822bb" providerId="LiveId" clId="{0F721C68-153B-48CC-BFD1-19745D3FCB6C}" dt="2021-08-13T07:02:04.168" v="165"/>
+          <pc:spChg chg="add del mod">
+            <ac:chgData name="Mifta Nur Farid" userId="09c4264491c822bb" providerId="LiveId" clId="{0F721C68-153B-48CC-BFD1-19745D3FCB6C}" dt="2021-08-13T14:11:37.915" v="262" actId="478"/>
             <ac:spMkLst>
               <pc:docMk/>
               <pc:sldMasterMk cId="4025415482" sldId="2147483650"/>
               <pc:sldLayoutMk cId="2266304350" sldId="2147483660"/>
               <ac:spMk id="8" creationId="{DA83B37A-C565-44A0-B968-06E5796360E9}"/>
+            </ac:spMkLst>
+          </pc:spChg>
+          <pc:spChg chg="add mod">
+            <ac:chgData name="Mifta Nur Farid" userId="09c4264491c822bb" providerId="LiveId" clId="{0F721C68-153B-48CC-BFD1-19745D3FCB6C}" dt="2021-08-13T14:11:38.274" v="263"/>
+            <ac:spMkLst>
+              <pc:docMk/>
+              <pc:sldMasterMk cId="4025415482" sldId="2147483650"/>
+              <pc:sldLayoutMk cId="2266304350" sldId="2147483660"/>
+              <ac:spMk id="10" creationId="{942758D7-8749-476B-BF37-EC8BBB6E3CD4}"/>
             </ac:spMkLst>
           </pc:spChg>
           <pc:picChg chg="add mod">
@@ -812,13 +1295,22 @@
               <ac:picMk id="7" creationId="{3E31F52B-BC3B-4CA0-AC03-F1546C75DAC7}"/>
             </ac:picMkLst>
           </pc:picChg>
-          <pc:picChg chg="add mod">
-            <ac:chgData name="Mifta Nur Farid" userId="09c4264491c822bb" providerId="LiveId" clId="{0F721C68-153B-48CC-BFD1-19745D3FCB6C}" dt="2021-08-13T07:02:04.168" v="165"/>
+          <pc:picChg chg="add del mod">
+            <ac:chgData name="Mifta Nur Farid" userId="09c4264491c822bb" providerId="LiveId" clId="{0F721C68-153B-48CC-BFD1-19745D3FCB6C}" dt="2021-08-13T14:11:37.915" v="262" actId="478"/>
             <ac:picMkLst>
               <pc:docMk/>
               <pc:sldMasterMk cId="4025415482" sldId="2147483650"/>
               <pc:sldLayoutMk cId="2266304350" sldId="2147483660"/>
               <ac:picMk id="9" creationId="{529D6441-7E07-4BEE-B361-8D2FC4E35BF1}"/>
+            </ac:picMkLst>
+          </pc:picChg>
+          <pc:picChg chg="add mod">
+            <ac:chgData name="Mifta Nur Farid" userId="09c4264491c822bb" providerId="LiveId" clId="{0F721C68-153B-48CC-BFD1-19745D3FCB6C}" dt="2021-08-13T14:11:38.274" v="263"/>
+            <ac:picMkLst>
+              <pc:docMk/>
+              <pc:sldMasterMk cId="4025415482" sldId="2147483650"/>
+              <pc:sldLayoutMk cId="2266304350" sldId="2147483660"/>
+              <ac:picMk id="11" creationId="{0B9CB7F6-6E99-4894-916C-99EA805FB184}"/>
             </ac:picMkLst>
           </pc:picChg>
         </pc:sldLayoutChg>
@@ -843,6 +1335,356 @@
     </pc:docChg>
   </pc:docChgLst>
 </pc:chgInfo>
+</file>
+
+<file path=ppt/notesMasters/notesMaster1.xml><?xml version="1.0" encoding="utf-8"?>
+<p:notesMaster xmlns:a="http://schemas.openxmlformats.org/drawingml/2006/main" xmlns:r="http://schemas.openxmlformats.org/officeDocument/2006/relationships" xmlns:p="http://schemas.openxmlformats.org/presentationml/2006/main">
+  <p:cSld>
+    <p:bg>
+      <p:bgRef idx="1001">
+        <a:schemeClr val="bg1"/>
+      </p:bgRef>
+    </p:bg>
+    <p:spTree>
+      <p:nvGrpSpPr>
+        <p:cNvPr id="1" name=""/>
+        <p:cNvGrpSpPr/>
+        <p:nvPr/>
+      </p:nvGrpSpPr>
+      <p:grpSpPr>
+        <a:xfrm>
+          <a:off x="0" y="0"/>
+          <a:ext cx="0" cy="0"/>
+          <a:chOff x="0" y="0"/>
+          <a:chExt cx="0" cy="0"/>
+        </a:xfrm>
+      </p:grpSpPr>
+      <p:sp>
+        <p:nvSpPr>
+          <p:cNvPr id="2" name="Header Placeholder 1"/>
+          <p:cNvSpPr>
+            <a:spLocks noGrp="1"/>
+          </p:cNvSpPr>
+          <p:nvPr>
+            <p:ph type="hdr" sz="quarter"/>
+          </p:nvPr>
+        </p:nvSpPr>
+        <p:spPr>
+          <a:xfrm>
+            <a:off x="0" y="0"/>
+            <a:ext cx="2971800" cy="458788"/>
+          </a:xfrm>
+          <a:prstGeom prst="rect">
+            <a:avLst/>
+          </a:prstGeom>
+        </p:spPr>
+        <p:txBody>
+          <a:bodyPr vert="horz" lIns="91440" tIns="45720" rIns="91440" bIns="45720" rtlCol="0"/>
+          <a:lstStyle>
+            <a:lvl1pPr algn="l">
+              <a:defRPr sz="1200"/>
+            </a:lvl1pPr>
+          </a:lstStyle>
+          <a:p>
+            <a:endParaRPr lang="id-ID"/>
+          </a:p>
+        </p:txBody>
+      </p:sp>
+      <p:sp>
+        <p:nvSpPr>
+          <p:cNvPr id="3" name="Date Placeholder 2"/>
+          <p:cNvSpPr>
+            <a:spLocks noGrp="1"/>
+          </p:cNvSpPr>
+          <p:nvPr>
+            <p:ph type="dt" idx="1"/>
+          </p:nvPr>
+        </p:nvSpPr>
+        <p:spPr>
+          <a:xfrm>
+            <a:off x="3884613" y="0"/>
+            <a:ext cx="2971800" cy="458788"/>
+          </a:xfrm>
+          <a:prstGeom prst="rect">
+            <a:avLst/>
+          </a:prstGeom>
+        </p:spPr>
+        <p:txBody>
+          <a:bodyPr vert="horz" lIns="91440" tIns="45720" rIns="91440" bIns="45720" rtlCol="0"/>
+          <a:lstStyle>
+            <a:lvl1pPr algn="r">
+              <a:defRPr sz="1200"/>
+            </a:lvl1pPr>
+          </a:lstStyle>
+          <a:p>
+            <a:fld id="{85B3E931-48BA-4719-A49F-591264BCC4B0}" type="datetimeFigureOut">
+              <a:rPr lang="id-ID" smtClean="0"/>
+              <a:t>13/08/2021</a:t>
+            </a:fld>
+            <a:endParaRPr lang="id-ID"/>
+          </a:p>
+        </p:txBody>
+      </p:sp>
+      <p:sp>
+        <p:nvSpPr>
+          <p:cNvPr id="4" name="Slide Image Placeholder 3"/>
+          <p:cNvSpPr>
+            <a:spLocks noGrp="1" noRot="1" noChangeAspect="1"/>
+          </p:cNvSpPr>
+          <p:nvPr>
+            <p:ph type="sldImg" idx="2"/>
+          </p:nvPr>
+        </p:nvSpPr>
+        <p:spPr>
+          <a:xfrm>
+            <a:off x="1371600" y="1143000"/>
+            <a:ext cx="4114800" cy="3086100"/>
+          </a:xfrm>
+          <a:prstGeom prst="rect">
+            <a:avLst/>
+          </a:prstGeom>
+          <a:noFill/>
+          <a:ln w="12700">
+            <a:solidFill>
+              <a:prstClr val="black"/>
+            </a:solidFill>
+          </a:ln>
+        </p:spPr>
+        <p:txBody>
+          <a:bodyPr vert="horz" lIns="91440" tIns="45720" rIns="91440" bIns="45720" rtlCol="0" anchor="ctr"/>
+          <a:lstStyle/>
+          <a:p>
+            <a:endParaRPr lang="id-ID"/>
+          </a:p>
+        </p:txBody>
+      </p:sp>
+      <p:sp>
+        <p:nvSpPr>
+          <p:cNvPr id="5" name="Notes Placeholder 4"/>
+          <p:cNvSpPr>
+            <a:spLocks noGrp="1"/>
+          </p:cNvSpPr>
+          <p:nvPr>
+            <p:ph type="body" sz="quarter" idx="3"/>
+          </p:nvPr>
+        </p:nvSpPr>
+        <p:spPr>
+          <a:xfrm>
+            <a:off x="685800" y="4400550"/>
+            <a:ext cx="5486400" cy="3600450"/>
+          </a:xfrm>
+          <a:prstGeom prst="rect">
+            <a:avLst/>
+          </a:prstGeom>
+        </p:spPr>
+        <p:txBody>
+          <a:bodyPr vert="horz" lIns="91440" tIns="45720" rIns="91440" bIns="45720" rtlCol="0"/>
+          <a:lstStyle/>
+          <a:p>
+            <a:pPr lvl="0"/>
+            <a:r>
+              <a:rPr lang="en-US"/>
+              <a:t>Click to edit Master text styles</a:t>
+            </a:r>
+          </a:p>
+          <a:p>
+            <a:pPr lvl="1"/>
+            <a:r>
+              <a:rPr lang="en-US"/>
+              <a:t>Second level</a:t>
+            </a:r>
+          </a:p>
+          <a:p>
+            <a:pPr lvl="2"/>
+            <a:r>
+              <a:rPr lang="en-US"/>
+              <a:t>Third level</a:t>
+            </a:r>
+          </a:p>
+          <a:p>
+            <a:pPr lvl="3"/>
+            <a:r>
+              <a:rPr lang="en-US"/>
+              <a:t>Fourth level</a:t>
+            </a:r>
+          </a:p>
+          <a:p>
+            <a:pPr lvl="4"/>
+            <a:r>
+              <a:rPr lang="en-US"/>
+              <a:t>Fifth level</a:t>
+            </a:r>
+            <a:endParaRPr lang="id-ID"/>
+          </a:p>
+        </p:txBody>
+      </p:sp>
+      <p:sp>
+        <p:nvSpPr>
+          <p:cNvPr id="6" name="Footer Placeholder 5"/>
+          <p:cNvSpPr>
+            <a:spLocks noGrp="1"/>
+          </p:cNvSpPr>
+          <p:nvPr>
+            <p:ph type="ftr" sz="quarter" idx="4"/>
+          </p:nvPr>
+        </p:nvSpPr>
+        <p:spPr>
+          <a:xfrm>
+            <a:off x="0" y="8685213"/>
+            <a:ext cx="2971800" cy="458787"/>
+          </a:xfrm>
+          <a:prstGeom prst="rect">
+            <a:avLst/>
+          </a:prstGeom>
+        </p:spPr>
+        <p:txBody>
+          <a:bodyPr vert="horz" lIns="91440" tIns="45720" rIns="91440" bIns="45720" rtlCol="0" anchor="b"/>
+          <a:lstStyle>
+            <a:lvl1pPr algn="l">
+              <a:defRPr sz="1200"/>
+            </a:lvl1pPr>
+          </a:lstStyle>
+          <a:p>
+            <a:endParaRPr lang="id-ID"/>
+          </a:p>
+        </p:txBody>
+      </p:sp>
+      <p:sp>
+        <p:nvSpPr>
+          <p:cNvPr id="7" name="Slide Number Placeholder 6"/>
+          <p:cNvSpPr>
+            <a:spLocks noGrp="1"/>
+          </p:cNvSpPr>
+          <p:nvPr>
+            <p:ph type="sldNum" sz="quarter" idx="5"/>
+          </p:nvPr>
+        </p:nvSpPr>
+        <p:spPr>
+          <a:xfrm>
+            <a:off x="3884613" y="8685213"/>
+            <a:ext cx="2971800" cy="458787"/>
+          </a:xfrm>
+          <a:prstGeom prst="rect">
+            <a:avLst/>
+          </a:prstGeom>
+        </p:spPr>
+        <p:txBody>
+          <a:bodyPr vert="horz" lIns="91440" tIns="45720" rIns="91440" bIns="45720" rtlCol="0" anchor="b"/>
+          <a:lstStyle>
+            <a:lvl1pPr algn="r">
+              <a:defRPr sz="1200"/>
+            </a:lvl1pPr>
+          </a:lstStyle>
+          <a:p>
+            <a:fld id="{A320861C-783F-403A-A832-A090CC055C7E}" type="slidenum">
+              <a:rPr lang="id-ID" smtClean="0"/>
+              <a:t>‹#›</a:t>
+            </a:fld>
+            <a:endParaRPr lang="id-ID"/>
+          </a:p>
+        </p:txBody>
+      </p:sp>
+    </p:spTree>
+    <p:extLst>
+      <p:ext uri="{BB962C8B-B14F-4D97-AF65-F5344CB8AC3E}">
+        <p14:creationId xmlns:p14="http://schemas.microsoft.com/office/powerpoint/2010/main" val="1233052451"/>
+      </p:ext>
+    </p:extLst>
+  </p:cSld>
+  <p:clrMap bg1="lt1" tx1="dk1" bg2="lt2" tx2="dk2" accent1="accent1" accent2="accent2" accent3="accent3" accent4="accent4" accent5="accent5" accent6="accent6" hlink="hlink" folHlink="folHlink"/>
+  <p:notesStyle>
+    <a:lvl1pPr marL="0" algn="l" defTabSz="914400" rtl="0" eaLnBrk="1" latinLnBrk="0" hangingPunct="1">
+      <a:defRPr sz="1200" kern="1200">
+        <a:solidFill>
+          <a:schemeClr val="tx1"/>
+        </a:solidFill>
+        <a:latin typeface="+mn-lt"/>
+        <a:ea typeface="+mn-ea"/>
+        <a:cs typeface="+mn-cs"/>
+      </a:defRPr>
+    </a:lvl1pPr>
+    <a:lvl2pPr marL="457200" algn="l" defTabSz="914400" rtl="0" eaLnBrk="1" latinLnBrk="0" hangingPunct="1">
+      <a:defRPr sz="1200" kern="1200">
+        <a:solidFill>
+          <a:schemeClr val="tx1"/>
+        </a:solidFill>
+        <a:latin typeface="+mn-lt"/>
+        <a:ea typeface="+mn-ea"/>
+        <a:cs typeface="+mn-cs"/>
+      </a:defRPr>
+    </a:lvl2pPr>
+    <a:lvl3pPr marL="914400" algn="l" defTabSz="914400" rtl="0" eaLnBrk="1" latinLnBrk="0" hangingPunct="1">
+      <a:defRPr sz="1200" kern="1200">
+        <a:solidFill>
+          <a:schemeClr val="tx1"/>
+        </a:solidFill>
+        <a:latin typeface="+mn-lt"/>
+        <a:ea typeface="+mn-ea"/>
+        <a:cs typeface="+mn-cs"/>
+      </a:defRPr>
+    </a:lvl3pPr>
+    <a:lvl4pPr marL="1371600" algn="l" defTabSz="914400" rtl="0" eaLnBrk="1" latinLnBrk="0" hangingPunct="1">
+      <a:defRPr sz="1200" kern="1200">
+        <a:solidFill>
+          <a:schemeClr val="tx1"/>
+        </a:solidFill>
+        <a:latin typeface="+mn-lt"/>
+        <a:ea typeface="+mn-ea"/>
+        <a:cs typeface="+mn-cs"/>
+      </a:defRPr>
+    </a:lvl4pPr>
+    <a:lvl5pPr marL="1828800" algn="l" defTabSz="914400" rtl="0" eaLnBrk="1" latinLnBrk="0" hangingPunct="1">
+      <a:defRPr sz="1200" kern="1200">
+        <a:solidFill>
+          <a:schemeClr val="tx1"/>
+        </a:solidFill>
+        <a:latin typeface="+mn-lt"/>
+        <a:ea typeface="+mn-ea"/>
+        <a:cs typeface="+mn-cs"/>
+      </a:defRPr>
+    </a:lvl5pPr>
+    <a:lvl6pPr marL="2286000" algn="l" defTabSz="914400" rtl="0" eaLnBrk="1" latinLnBrk="0" hangingPunct="1">
+      <a:defRPr sz="1200" kern="1200">
+        <a:solidFill>
+          <a:schemeClr val="tx1"/>
+        </a:solidFill>
+        <a:latin typeface="+mn-lt"/>
+        <a:ea typeface="+mn-ea"/>
+        <a:cs typeface="+mn-cs"/>
+      </a:defRPr>
+    </a:lvl6pPr>
+    <a:lvl7pPr marL="2743200" algn="l" defTabSz="914400" rtl="0" eaLnBrk="1" latinLnBrk="0" hangingPunct="1">
+      <a:defRPr sz="1200" kern="1200">
+        <a:solidFill>
+          <a:schemeClr val="tx1"/>
+        </a:solidFill>
+        <a:latin typeface="+mn-lt"/>
+        <a:ea typeface="+mn-ea"/>
+        <a:cs typeface="+mn-cs"/>
+      </a:defRPr>
+    </a:lvl7pPr>
+    <a:lvl8pPr marL="3200400" algn="l" defTabSz="914400" rtl="0" eaLnBrk="1" latinLnBrk="0" hangingPunct="1">
+      <a:defRPr sz="1200" kern="1200">
+        <a:solidFill>
+          <a:schemeClr val="tx1"/>
+        </a:solidFill>
+        <a:latin typeface="+mn-lt"/>
+        <a:ea typeface="+mn-ea"/>
+        <a:cs typeface="+mn-cs"/>
+      </a:defRPr>
+    </a:lvl8pPr>
+    <a:lvl9pPr marL="3657600" algn="l" defTabSz="914400" rtl="0" eaLnBrk="1" latinLnBrk="0" hangingPunct="1">
+      <a:defRPr sz="1200" kern="1200">
+        <a:solidFill>
+          <a:schemeClr val="tx1"/>
+        </a:solidFill>
+        <a:latin typeface="+mn-lt"/>
+        <a:ea typeface="+mn-ea"/>
+        <a:cs typeface="+mn-cs"/>
+      </a:defRPr>
+    </a:lvl9pPr>
+  </p:notesStyle>
+</p:notesMaster>
 </file>
 
 <file path=ppt/slideLayouts/slideLayout1.xml><?xml version="1.0" encoding="utf-8"?>
@@ -915,10 +1757,12 @@
           </a:xfrm>
         </p:spPr>
         <p:txBody>
-          <a:bodyPr anchor="b"/>
+          <a:bodyPr anchor="b">
+            <a:normAutofit/>
+          </a:bodyPr>
           <a:lstStyle>
             <a:lvl1pPr algn="r">
-              <a:defRPr sz="6000">
+              <a:defRPr sz="4400" b="1">
                 <a:solidFill>
                   <a:schemeClr val="bg1"/>
                 </a:solidFill>
@@ -928,7 +1772,7 @@
           <a:p>
             <a:r>
               <a:rPr lang="id-ID" dirty="0"/>
-              <a:t>Metode Numerik</a:t>
+              <a:t>METODE NUMERIK</a:t>
             </a:r>
             <a:endParaRPr lang="en-US" dirty="0"/>
           </a:p>
@@ -1052,264 +1896,6 @@
     <p:extLst>
       <p:ext uri="{BB962C8B-B14F-4D97-AF65-F5344CB8AC3E}">
         <p14:creationId xmlns:p14="http://schemas.microsoft.com/office/powerpoint/2010/main" val="3948493201"/>
-      </p:ext>
-    </p:extLst>
-  </p:cSld>
-  <p:clrMapOvr>
-    <a:masterClrMapping/>
-  </p:clrMapOvr>
-</p:sldLayout>
-</file>
-
-<file path=ppt/slideLayouts/slideLayout10.xml><?xml version="1.0" encoding="utf-8"?>
-<p:sldLayout xmlns:a="http://schemas.openxmlformats.org/drawingml/2006/main" xmlns:r="http://schemas.openxmlformats.org/officeDocument/2006/relationships" xmlns:p="http://schemas.openxmlformats.org/presentationml/2006/main" preserve="1" userDrawn="1">
-  <p:cSld name="Title and Vertical Text">
-    <p:spTree>
-      <p:nvGrpSpPr>
-        <p:cNvPr id="1" name=""/>
-        <p:cNvGrpSpPr/>
-        <p:nvPr/>
-      </p:nvGrpSpPr>
-      <p:grpSpPr>
-        <a:xfrm>
-          <a:off x="0" y="0"/>
-          <a:ext cx="0" cy="0"/>
-          <a:chOff x="0" y="0"/>
-          <a:chExt cx="0" cy="0"/>
-        </a:xfrm>
-      </p:grpSpPr>
-      <p:sp>
-        <p:nvSpPr>
-          <p:cNvPr id="3" name="Vertical Text Placeholder 2"/>
-          <p:cNvSpPr>
-            <a:spLocks noGrp="1"/>
-          </p:cNvSpPr>
-          <p:nvPr>
-            <p:ph type="body" orient="vert" idx="1"/>
-          </p:nvPr>
-        </p:nvSpPr>
-        <p:spPr/>
-        <p:txBody>
-          <a:bodyPr vert="eaVert"/>
-          <a:lstStyle/>
-          <a:p>
-            <a:pPr lvl="0"/>
-            <a:r>
-              <a:rPr lang="en-US"/>
-              <a:t>Click to edit Master text styles</a:t>
-            </a:r>
-          </a:p>
-          <a:p>
-            <a:pPr lvl="1"/>
-            <a:r>
-              <a:rPr lang="en-US"/>
-              <a:t>Second level</a:t>
-            </a:r>
-          </a:p>
-          <a:p>
-            <a:pPr lvl="2"/>
-            <a:r>
-              <a:rPr lang="en-US"/>
-              <a:t>Third level</a:t>
-            </a:r>
-          </a:p>
-          <a:p>
-            <a:pPr lvl="3"/>
-            <a:r>
-              <a:rPr lang="en-US"/>
-              <a:t>Fourth level</a:t>
-            </a:r>
-          </a:p>
-          <a:p>
-            <a:pPr lvl="4"/>
-            <a:r>
-              <a:rPr lang="en-US"/>
-              <a:t>Fifth level</a:t>
-            </a:r>
-            <a:endParaRPr lang="en-US" dirty="0"/>
-          </a:p>
-        </p:txBody>
-      </p:sp>
-      <p:sp>
-        <p:nvSpPr>
-          <p:cNvPr id="4" name="Date Placeholder 3"/>
-          <p:cNvSpPr>
-            <a:spLocks noGrp="1"/>
-          </p:cNvSpPr>
-          <p:nvPr>
-            <p:ph type="dt" sz="half" idx="10"/>
-          </p:nvPr>
-        </p:nvSpPr>
-        <p:spPr/>
-        <p:txBody>
-          <a:bodyPr/>
-          <a:lstStyle/>
-          <a:p>
-            <a:fld id="{C764DE79-268F-4C1A-8933-263129D2AF90}" type="datetimeFigureOut">
-              <a:rPr lang="en-US" dirty="0"/>
-              <a:t>8/13/2021</a:t>
-            </a:fld>
-            <a:endParaRPr lang="en-US" dirty="0"/>
-          </a:p>
-        </p:txBody>
-      </p:sp>
-      <p:sp>
-        <p:nvSpPr>
-          <p:cNvPr id="5" name="Footer Placeholder 4"/>
-          <p:cNvSpPr>
-            <a:spLocks noGrp="1"/>
-          </p:cNvSpPr>
-          <p:nvPr>
-            <p:ph type="ftr" sz="quarter" idx="11"/>
-          </p:nvPr>
-        </p:nvSpPr>
-        <p:spPr/>
-        <p:txBody>
-          <a:bodyPr/>
-          <a:lstStyle/>
-          <a:p>
-            <a:endParaRPr lang="en-US" dirty="0"/>
-          </a:p>
-        </p:txBody>
-      </p:sp>
-      <p:sp>
-        <p:nvSpPr>
-          <p:cNvPr id="6" name="Slide Number Placeholder 5"/>
-          <p:cNvSpPr>
-            <a:spLocks noGrp="1"/>
-          </p:cNvSpPr>
-          <p:nvPr>
-            <p:ph type="sldNum" sz="quarter" idx="12"/>
-          </p:nvPr>
-        </p:nvSpPr>
-        <p:spPr/>
-        <p:txBody>
-          <a:bodyPr/>
-          <a:lstStyle/>
-          <a:p>
-            <a:fld id="{48F63A3B-78C7-47BE-AE5E-E10140E04643}" type="slidenum">
-              <a:rPr lang="en-US" dirty="0"/>
-              <a:t>‹#›</a:t>
-            </a:fld>
-            <a:endParaRPr lang="en-US" dirty="0"/>
-          </a:p>
-        </p:txBody>
-      </p:sp>
-      <p:pic>
-        <p:nvPicPr>
-          <p:cNvPr id="7" name="Picture 6">
-            <a:extLst>
-              <a:ext uri="{FF2B5EF4-FFF2-40B4-BE49-F238E27FC236}">
-                <a16:creationId xmlns:a16="http://schemas.microsoft.com/office/drawing/2014/main" id="{3E31F52B-BC3B-4CA0-AC03-F1546C75DAC7}"/>
-              </a:ext>
-            </a:extLst>
-          </p:cNvPr>
-          <p:cNvPicPr>
-            <a:picLocks noChangeAspect="1"/>
-          </p:cNvPicPr>
-          <p:nvPr userDrawn="1"/>
-        </p:nvPicPr>
-        <p:blipFill>
-          <a:blip r:embed="rId2">
-            <a:extLst>
-              <a:ext uri="{28A0092B-C50C-407E-A947-70E740481C1C}">
-                <a14:useLocalDpi xmlns:a14="http://schemas.microsoft.com/office/drawing/2010/main" val="0"/>
-              </a:ext>
-            </a:extLst>
-          </a:blip>
-          <a:stretch>
-            <a:fillRect/>
-          </a:stretch>
-        </p:blipFill>
-        <p:spPr>
-          <a:xfrm>
-            <a:off x="0" y="6234073"/>
-            <a:ext cx="9144000" cy="623927"/>
-          </a:xfrm>
-          <a:prstGeom prst="rect">
-            <a:avLst/>
-          </a:prstGeom>
-        </p:spPr>
-      </p:pic>
-      <p:sp>
-        <p:nvSpPr>
-          <p:cNvPr id="8" name="Title 1">
-            <a:extLst>
-              <a:ext uri="{FF2B5EF4-FFF2-40B4-BE49-F238E27FC236}">
-                <a16:creationId xmlns:a16="http://schemas.microsoft.com/office/drawing/2014/main" id="{DA83B37A-C565-44A0-B968-06E5796360E9}"/>
-              </a:ext>
-            </a:extLst>
-          </p:cNvPr>
-          <p:cNvSpPr>
-            <a:spLocks noGrp="1"/>
-          </p:cNvSpPr>
-          <p:nvPr>
-            <p:ph type="title"/>
-          </p:nvPr>
-        </p:nvSpPr>
-        <p:spPr>
-          <a:xfrm>
-            <a:off x="3540034" y="365126"/>
-            <a:ext cx="4975316" cy="990609"/>
-          </a:xfrm>
-        </p:spPr>
-        <p:txBody>
-          <a:bodyPr anchor="b">
-            <a:normAutofit/>
-          </a:bodyPr>
-          <a:lstStyle>
-            <a:lvl1pPr algn="r">
-              <a:defRPr sz="3200" b="1"/>
-            </a:lvl1pPr>
-          </a:lstStyle>
-          <a:p>
-            <a:r>
-              <a:rPr lang="en-US" dirty="0"/>
-              <a:t>Click to edit Master title style</a:t>
-            </a:r>
-          </a:p>
-        </p:txBody>
-      </p:sp>
-      <p:pic>
-        <p:nvPicPr>
-          <p:cNvPr id="9" name="Picture 8">
-            <a:extLst>
-              <a:ext uri="{FF2B5EF4-FFF2-40B4-BE49-F238E27FC236}">
-                <a16:creationId xmlns:a16="http://schemas.microsoft.com/office/drawing/2014/main" id="{529D6441-7E07-4BEE-B361-8D2FC4E35BF1}"/>
-              </a:ext>
-            </a:extLst>
-          </p:cNvPr>
-          <p:cNvPicPr>
-            <a:picLocks noChangeAspect="1"/>
-          </p:cNvPicPr>
-          <p:nvPr userDrawn="1"/>
-        </p:nvPicPr>
-        <p:blipFill>
-          <a:blip r:embed="rId3">
-            <a:extLst>
-              <a:ext uri="{28A0092B-C50C-407E-A947-70E740481C1C}">
-                <a14:useLocalDpi xmlns:a14="http://schemas.microsoft.com/office/drawing/2010/main" val="0"/>
-              </a:ext>
-            </a:extLst>
-          </a:blip>
-          <a:stretch>
-            <a:fillRect/>
-          </a:stretch>
-        </p:blipFill>
-        <p:spPr>
-          <a:xfrm>
-            <a:off x="628650" y="681037"/>
-            <a:ext cx="1669821" cy="674698"/>
-          </a:xfrm>
-          <a:prstGeom prst="rect">
-            <a:avLst/>
-          </a:prstGeom>
-        </p:spPr>
-      </p:pic>
-    </p:spTree>
-    <p:extLst>
-      <p:ext uri="{BB962C8B-B14F-4D97-AF65-F5344CB8AC3E}">
-        <p14:creationId xmlns:p14="http://schemas.microsoft.com/office/powerpoint/2010/main" val="2266304350"/>
       </p:ext>
     </p:extLst>
   </p:cSld>
@@ -1384,7 +1970,7 @@
         </p:nvSpPr>
         <p:spPr>
           <a:xfrm>
-            <a:off x="3540034" y="365126"/>
+            <a:off x="3540034" y="129992"/>
             <a:ext cx="4975316" cy="990609"/>
           </a:xfrm>
         </p:spPr>
@@ -1394,7 +1980,11 @@
           </a:bodyPr>
           <a:lstStyle>
             <a:lvl1pPr algn="r">
-              <a:defRPr sz="3200" b="1"/>
+              <a:defRPr sz="3200" b="1">
+                <a:solidFill>
+                  <a:schemeClr val="accent1"/>
+                </a:solidFill>
+              </a:defRPr>
             </a:lvl1pPr>
           </a:lstStyle>
           <a:p>
@@ -1418,42 +2008,77 @@
         <p:spPr/>
         <p:txBody>
           <a:bodyPr/>
-          <a:lstStyle/>
+          <a:lstStyle>
+            <a:lvl1pPr>
+              <a:defRPr>
+                <a:solidFill>
+                  <a:schemeClr val="accent1"/>
+                </a:solidFill>
+              </a:defRPr>
+            </a:lvl1pPr>
+            <a:lvl2pPr>
+              <a:defRPr>
+                <a:solidFill>
+                  <a:schemeClr val="accent1"/>
+                </a:solidFill>
+              </a:defRPr>
+            </a:lvl2pPr>
+            <a:lvl3pPr>
+              <a:defRPr>
+                <a:solidFill>
+                  <a:schemeClr val="accent1"/>
+                </a:solidFill>
+              </a:defRPr>
+            </a:lvl3pPr>
+            <a:lvl4pPr>
+              <a:defRPr>
+                <a:solidFill>
+                  <a:schemeClr val="accent1"/>
+                </a:solidFill>
+              </a:defRPr>
+            </a:lvl4pPr>
+            <a:lvl5pPr>
+              <a:defRPr>
+                <a:solidFill>
+                  <a:schemeClr val="accent1"/>
+                </a:solidFill>
+              </a:defRPr>
+            </a:lvl5pPr>
+          </a:lstStyle>
           <a:p>
             <a:pPr lvl="0"/>
             <a:r>
-              <a:rPr lang="en-US"/>
+              <a:rPr lang="en-US" dirty="0"/>
               <a:t>Click to edit Master text styles</a:t>
             </a:r>
           </a:p>
           <a:p>
             <a:pPr lvl="1"/>
             <a:r>
-              <a:rPr lang="en-US"/>
+              <a:rPr lang="en-US" dirty="0"/>
               <a:t>Second level</a:t>
             </a:r>
           </a:p>
           <a:p>
             <a:pPr lvl="2"/>
             <a:r>
-              <a:rPr lang="en-US"/>
+              <a:rPr lang="en-US" dirty="0"/>
               <a:t>Third level</a:t>
             </a:r>
           </a:p>
           <a:p>
             <a:pPr lvl="3"/>
             <a:r>
-              <a:rPr lang="en-US"/>
+              <a:rPr lang="en-US" dirty="0"/>
               <a:t>Fourth level</a:t>
             </a:r>
           </a:p>
           <a:p>
             <a:pPr lvl="4"/>
             <a:r>
-              <a:rPr lang="en-US"/>
+              <a:rPr lang="en-US" dirty="0"/>
               <a:t>Fifth level</a:t>
             </a:r>
-            <a:endParaRPr lang="en-US" dirty="0"/>
           </a:p>
         </p:txBody>
       </p:sp>
@@ -1467,7 +2092,12 @@
             <p:ph type="sldNum" sz="quarter" idx="12"/>
           </p:nvPr>
         </p:nvSpPr>
-        <p:spPr/>
+        <p:spPr>
+          <a:xfrm>
+            <a:off x="6915150" y="6356351"/>
+            <a:ext cx="2057400" cy="365125"/>
+          </a:xfrm>
+        </p:spPr>
         <p:txBody>
           <a:bodyPr/>
           <a:lstStyle>
@@ -1517,7 +2147,7 @@
         </p:blipFill>
         <p:spPr>
           <a:xfrm>
-            <a:off x="628650" y="681037"/>
+            <a:off x="628650" y="445903"/>
             <a:ext cx="1669821" cy="674698"/>
           </a:xfrm>
           <a:prstGeom prst="rect">
@@ -1539,234 +2169,6 @@
 </file>
 
 <file path=ppt/slideLayouts/slideLayout3.xml><?xml version="1.0" encoding="utf-8"?>
-<p:sldLayout xmlns:a="http://schemas.openxmlformats.org/drawingml/2006/main" xmlns:r="http://schemas.openxmlformats.org/officeDocument/2006/relationships" xmlns:p="http://schemas.openxmlformats.org/presentationml/2006/main" preserve="1" userDrawn="1">
-  <p:cSld name="Section Header">
-    <p:spTree>
-      <p:nvGrpSpPr>
-        <p:cNvPr id="1" name=""/>
-        <p:cNvGrpSpPr/>
-        <p:nvPr/>
-      </p:nvGrpSpPr>
-      <p:grpSpPr>
-        <a:xfrm>
-          <a:off x="0" y="0"/>
-          <a:ext cx="0" cy="0"/>
-          <a:chOff x="0" y="0"/>
-          <a:chExt cx="0" cy="0"/>
-        </a:xfrm>
-      </p:grpSpPr>
-      <p:pic>
-        <p:nvPicPr>
-          <p:cNvPr id="7" name="Picture 6">
-            <a:extLst>
-              <a:ext uri="{FF2B5EF4-FFF2-40B4-BE49-F238E27FC236}">
-                <a16:creationId xmlns:a16="http://schemas.microsoft.com/office/drawing/2014/main" id="{8BAA9C5E-6E44-4404-8F9B-D9625A3EBE1D}"/>
-              </a:ext>
-            </a:extLst>
-          </p:cNvPr>
-          <p:cNvPicPr>
-            <a:picLocks noChangeAspect="1"/>
-          </p:cNvPicPr>
-          <p:nvPr userDrawn="1"/>
-        </p:nvPicPr>
-        <p:blipFill>
-          <a:blip r:embed="rId2">
-            <a:extLst>
-              <a:ext uri="{28A0092B-C50C-407E-A947-70E740481C1C}">
-                <a14:useLocalDpi xmlns:a14="http://schemas.microsoft.com/office/drawing/2010/main" val="0"/>
-              </a:ext>
-            </a:extLst>
-          </a:blip>
-          <a:stretch>
-            <a:fillRect/>
-          </a:stretch>
-        </p:blipFill>
-        <p:spPr>
-          <a:xfrm>
-            <a:off x="0" y="0"/>
-            <a:ext cx="9144000" cy="5921950"/>
-          </a:xfrm>
-          <a:prstGeom prst="rect">
-            <a:avLst/>
-          </a:prstGeom>
-        </p:spPr>
-      </p:pic>
-      <p:sp>
-        <p:nvSpPr>
-          <p:cNvPr id="8" name="Title 1">
-            <a:extLst>
-              <a:ext uri="{FF2B5EF4-FFF2-40B4-BE49-F238E27FC236}">
-                <a16:creationId xmlns:a16="http://schemas.microsoft.com/office/drawing/2014/main" id="{7C21C15B-ACFE-4740-B341-3F75DC5DEA40}"/>
-              </a:ext>
-            </a:extLst>
-          </p:cNvPr>
-          <p:cNvSpPr>
-            <a:spLocks noGrp="1"/>
-          </p:cNvSpPr>
-          <p:nvPr>
-            <p:ph type="ctrTitle" hasCustomPrompt="1"/>
-          </p:nvPr>
-        </p:nvSpPr>
-        <p:spPr>
-          <a:xfrm>
-            <a:off x="960120" y="1174090"/>
-            <a:ext cx="7772400" cy="1307328"/>
-          </a:xfrm>
-        </p:spPr>
-        <p:txBody>
-          <a:bodyPr anchor="b"/>
-          <a:lstStyle>
-            <a:lvl1pPr algn="r">
-              <a:defRPr sz="6000">
-                <a:solidFill>
-                  <a:schemeClr val="bg1"/>
-                </a:solidFill>
-              </a:defRPr>
-            </a:lvl1pPr>
-          </a:lstStyle>
-          <a:p>
-            <a:r>
-              <a:rPr lang="id-ID" dirty="0"/>
-              <a:t>Metode Numerik</a:t>
-            </a:r>
-            <a:endParaRPr lang="en-US" dirty="0"/>
-          </a:p>
-        </p:txBody>
-      </p:sp>
-      <p:sp>
-        <p:nvSpPr>
-          <p:cNvPr id="9" name="Subtitle 2">
-            <a:extLst>
-              <a:ext uri="{FF2B5EF4-FFF2-40B4-BE49-F238E27FC236}">
-                <a16:creationId xmlns:a16="http://schemas.microsoft.com/office/drawing/2014/main" id="{A359A9EA-425A-4A1F-9458-4AF03B9AEAD5}"/>
-              </a:ext>
-            </a:extLst>
-          </p:cNvPr>
-          <p:cNvSpPr>
-            <a:spLocks noGrp="1"/>
-          </p:cNvSpPr>
-          <p:nvPr>
-            <p:ph type="subTitle" idx="1" hasCustomPrompt="1"/>
-          </p:nvPr>
-        </p:nvSpPr>
-        <p:spPr>
-          <a:xfrm>
-            <a:off x="437606" y="3119931"/>
-            <a:ext cx="6858000" cy="1655762"/>
-          </a:xfrm>
-        </p:spPr>
-        <p:txBody>
-          <a:bodyPr/>
-          <a:lstStyle>
-            <a:lvl1pPr marL="0" indent="0" algn="l">
-              <a:buNone/>
-              <a:defRPr lang="en-US" sz="2400" dirty="0">
-                <a:solidFill>
-                  <a:schemeClr val="bg1"/>
-                </a:solidFill>
-              </a:defRPr>
-            </a:lvl1pPr>
-            <a:lvl2pPr marL="457200" indent="0" algn="ctr">
-              <a:buNone/>
-              <a:defRPr sz="2000"/>
-            </a:lvl2pPr>
-            <a:lvl3pPr marL="914400" indent="0" algn="ctr">
-              <a:buNone/>
-              <a:defRPr sz="1800"/>
-            </a:lvl3pPr>
-            <a:lvl4pPr marL="1371600" indent="0" algn="ctr">
-              <a:buNone/>
-              <a:defRPr sz="1600"/>
-            </a:lvl4pPr>
-            <a:lvl5pPr marL="1828800" indent="0" algn="ctr">
-              <a:buNone/>
-              <a:defRPr sz="1600"/>
-            </a:lvl5pPr>
-            <a:lvl6pPr marL="2286000" indent="0" algn="ctr">
-              <a:buNone/>
-              <a:defRPr sz="1600"/>
-            </a:lvl6pPr>
-            <a:lvl7pPr marL="2743200" indent="0" algn="ctr">
-              <a:buNone/>
-              <a:defRPr sz="1600"/>
-            </a:lvl7pPr>
-            <a:lvl8pPr marL="3200400" indent="0" algn="ctr">
-              <a:buNone/>
-              <a:defRPr sz="1600"/>
-            </a:lvl8pPr>
-            <a:lvl9pPr marL="3657600" indent="0" algn="ctr">
-              <a:buNone/>
-              <a:defRPr sz="1600"/>
-            </a:lvl9pPr>
-          </a:lstStyle>
-          <a:p>
-            <a:r>
-              <a:rPr lang="id-ID" dirty="0"/>
-              <a:t>Deret Taylor dan Analisis Galat</a:t>
-            </a:r>
-          </a:p>
-          <a:p>
-            <a:endParaRPr lang="id-ID" dirty="0"/>
-          </a:p>
-          <a:p>
-            <a:r>
-              <a:rPr lang="id-ID" dirty="0"/>
-              <a:t>Tim Dosen Pengampu</a:t>
-            </a:r>
-            <a:endParaRPr lang="en-US" dirty="0"/>
-          </a:p>
-        </p:txBody>
-      </p:sp>
-      <p:pic>
-        <p:nvPicPr>
-          <p:cNvPr id="13" name="Picture 12">
-            <a:extLst>
-              <a:ext uri="{FF2B5EF4-FFF2-40B4-BE49-F238E27FC236}">
-                <a16:creationId xmlns:a16="http://schemas.microsoft.com/office/drawing/2014/main" id="{7A787D50-8A3F-4F11-B446-D1A9D906D988}"/>
-              </a:ext>
-            </a:extLst>
-          </p:cNvPr>
-          <p:cNvPicPr>
-            <a:picLocks noChangeAspect="1"/>
-          </p:cNvPicPr>
-          <p:nvPr userDrawn="1"/>
-        </p:nvPicPr>
-        <p:blipFill>
-          <a:blip r:embed="rId3">
-            <a:extLst>
-              <a:ext uri="{28A0092B-C50C-407E-A947-70E740481C1C}">
-                <a14:useLocalDpi xmlns:a14="http://schemas.microsoft.com/office/drawing/2010/main" val="0"/>
-              </a:ext>
-            </a:extLst>
-          </a:blip>
-          <a:stretch>
-            <a:fillRect/>
-          </a:stretch>
-        </p:blipFill>
-        <p:spPr>
-          <a:xfrm>
-            <a:off x="6407331" y="5466845"/>
-            <a:ext cx="2325189" cy="939502"/>
-          </a:xfrm>
-          <a:prstGeom prst="rect">
-            <a:avLst/>
-          </a:prstGeom>
-        </p:spPr>
-      </p:pic>
-    </p:spTree>
-    <p:extLst>
-      <p:ext uri="{BB962C8B-B14F-4D97-AF65-F5344CB8AC3E}">
-        <p14:creationId xmlns:p14="http://schemas.microsoft.com/office/powerpoint/2010/main" val="3280749593"/>
-      </p:ext>
-    </p:extLst>
-  </p:cSld>
-  <p:clrMapOvr>
-    <a:masterClrMapping/>
-  </p:clrMapOvr>
-</p:sldLayout>
-</file>
-
-<file path=ppt/slideLayouts/slideLayout4.xml><?xml version="1.0" encoding="utf-8"?>
 <p:sldLayout xmlns:a="http://schemas.openxmlformats.org/drawingml/2006/main" xmlns:r="http://schemas.openxmlformats.org/officeDocument/2006/relationships" xmlns:p="http://schemas.openxmlformats.org/presentationml/2006/main" preserve="1" userDrawn="1">
   <p:cSld name="Two Content">
     <p:spTree>
@@ -1795,48 +2197,83 @@
         </p:nvSpPr>
         <p:spPr>
           <a:xfrm>
-            <a:off x="628650" y="1825625"/>
-            <a:ext cx="3886200" cy="4351338"/>
+            <a:off x="628650" y="1593669"/>
+            <a:ext cx="3886200" cy="4583294"/>
           </a:xfrm>
         </p:spPr>
         <p:txBody>
           <a:bodyPr/>
-          <a:lstStyle/>
+          <a:lstStyle>
+            <a:lvl1pPr>
+              <a:defRPr>
+                <a:solidFill>
+                  <a:schemeClr val="accent1"/>
+                </a:solidFill>
+              </a:defRPr>
+            </a:lvl1pPr>
+            <a:lvl2pPr>
+              <a:defRPr>
+                <a:solidFill>
+                  <a:schemeClr val="accent1"/>
+                </a:solidFill>
+              </a:defRPr>
+            </a:lvl2pPr>
+            <a:lvl3pPr>
+              <a:defRPr>
+                <a:solidFill>
+                  <a:schemeClr val="accent1"/>
+                </a:solidFill>
+              </a:defRPr>
+            </a:lvl3pPr>
+            <a:lvl4pPr>
+              <a:defRPr>
+                <a:solidFill>
+                  <a:schemeClr val="accent1"/>
+                </a:solidFill>
+              </a:defRPr>
+            </a:lvl4pPr>
+            <a:lvl5pPr>
+              <a:defRPr>
+                <a:solidFill>
+                  <a:schemeClr val="accent1"/>
+                </a:solidFill>
+              </a:defRPr>
+            </a:lvl5pPr>
+          </a:lstStyle>
           <a:p>
             <a:pPr lvl="0"/>
             <a:r>
-              <a:rPr lang="en-US"/>
+              <a:rPr lang="en-US" dirty="0"/>
               <a:t>Click to edit Master text styles</a:t>
             </a:r>
           </a:p>
           <a:p>
             <a:pPr lvl="1"/>
             <a:r>
-              <a:rPr lang="en-US"/>
+              <a:rPr lang="en-US" dirty="0"/>
               <a:t>Second level</a:t>
             </a:r>
           </a:p>
           <a:p>
             <a:pPr lvl="2"/>
             <a:r>
-              <a:rPr lang="en-US"/>
+              <a:rPr lang="en-US" dirty="0"/>
               <a:t>Third level</a:t>
             </a:r>
           </a:p>
           <a:p>
             <a:pPr lvl="3"/>
             <a:r>
-              <a:rPr lang="en-US"/>
+              <a:rPr lang="en-US" dirty="0"/>
               <a:t>Fourth level</a:t>
             </a:r>
           </a:p>
           <a:p>
             <a:pPr lvl="4"/>
             <a:r>
-              <a:rPr lang="en-US"/>
+              <a:rPr lang="en-US" dirty="0"/>
               <a:t>Fifth level</a:t>
             </a:r>
-            <a:endParaRPr lang="en-US" dirty="0"/>
           </a:p>
         </p:txBody>
       </p:sp>
@@ -1852,122 +2289,135 @@
         </p:nvSpPr>
         <p:spPr>
           <a:xfrm>
-            <a:off x="4629150" y="1825625"/>
-            <a:ext cx="3886200" cy="4351338"/>
+            <a:off x="4629150" y="1593669"/>
+            <a:ext cx="3886200" cy="4583294"/>
           </a:xfrm>
         </p:spPr>
         <p:txBody>
           <a:bodyPr/>
-          <a:lstStyle/>
+          <a:lstStyle>
+            <a:lvl1pPr>
+              <a:defRPr>
+                <a:solidFill>
+                  <a:schemeClr val="accent1"/>
+                </a:solidFill>
+              </a:defRPr>
+            </a:lvl1pPr>
+            <a:lvl2pPr>
+              <a:defRPr>
+                <a:solidFill>
+                  <a:schemeClr val="accent1"/>
+                </a:solidFill>
+              </a:defRPr>
+            </a:lvl2pPr>
+            <a:lvl3pPr>
+              <a:defRPr>
+                <a:solidFill>
+                  <a:schemeClr val="accent1"/>
+                </a:solidFill>
+              </a:defRPr>
+            </a:lvl3pPr>
+            <a:lvl4pPr>
+              <a:defRPr>
+                <a:solidFill>
+                  <a:schemeClr val="accent1"/>
+                </a:solidFill>
+              </a:defRPr>
+            </a:lvl4pPr>
+            <a:lvl5pPr>
+              <a:defRPr>
+                <a:solidFill>
+                  <a:schemeClr val="accent1"/>
+                </a:solidFill>
+              </a:defRPr>
+            </a:lvl5pPr>
+          </a:lstStyle>
           <a:p>
             <a:pPr lvl="0"/>
             <a:r>
-              <a:rPr lang="en-US"/>
+              <a:rPr lang="en-US" dirty="0"/>
               <a:t>Click to edit Master text styles</a:t>
             </a:r>
           </a:p>
           <a:p>
             <a:pPr lvl="1"/>
             <a:r>
-              <a:rPr lang="en-US"/>
+              <a:rPr lang="en-US" dirty="0"/>
               <a:t>Second level</a:t>
             </a:r>
           </a:p>
           <a:p>
             <a:pPr lvl="2"/>
             <a:r>
-              <a:rPr lang="en-US"/>
+              <a:rPr lang="en-US" dirty="0"/>
               <a:t>Third level</a:t>
             </a:r>
           </a:p>
           <a:p>
             <a:pPr lvl="3"/>
             <a:r>
-              <a:rPr lang="en-US"/>
+              <a:rPr lang="en-US" dirty="0"/>
               <a:t>Fourth level</a:t>
             </a:r>
           </a:p>
           <a:p>
             <a:pPr lvl="4"/>
             <a:r>
-              <a:rPr lang="en-US"/>
+              <a:rPr lang="en-US" dirty="0"/>
               <a:t>Fifth level</a:t>
             </a:r>
-            <a:endParaRPr lang="en-US" dirty="0"/>
           </a:p>
         </p:txBody>
       </p:sp>
       <p:sp>
         <p:nvSpPr>
-          <p:cNvPr id="5" name="Date Placeholder 4"/>
+          <p:cNvPr id="11" name="Title 1">
+            <a:extLst>
+              <a:ext uri="{FF2B5EF4-FFF2-40B4-BE49-F238E27FC236}">
+                <a16:creationId xmlns:a16="http://schemas.microsoft.com/office/drawing/2014/main" id="{0A11EAD0-2563-42C3-871D-8D66BFCF1DF9}"/>
+              </a:ext>
+            </a:extLst>
+          </p:cNvPr>
           <p:cNvSpPr>
             <a:spLocks noGrp="1"/>
           </p:cNvSpPr>
           <p:nvPr>
-            <p:ph type="dt" sz="half" idx="10"/>
+            <p:ph type="title"/>
           </p:nvPr>
         </p:nvSpPr>
-        <p:spPr/>
+        <p:spPr>
+          <a:xfrm>
+            <a:off x="3540034" y="129992"/>
+            <a:ext cx="4975316" cy="990609"/>
+          </a:xfrm>
+        </p:spPr>
         <p:txBody>
-          <a:bodyPr/>
-          <a:lstStyle/>
-          <a:p>
-            <a:fld id="{C764DE79-268F-4C1A-8933-263129D2AF90}" type="datetimeFigureOut">
+          <a:bodyPr anchor="b">
+            <a:normAutofit/>
+          </a:bodyPr>
+          <a:lstStyle>
+            <a:lvl1pPr algn="r">
+              <a:defRPr sz="3200" b="1">
+                <a:solidFill>
+                  <a:schemeClr val="accent1"/>
+                </a:solidFill>
+              </a:defRPr>
+            </a:lvl1pPr>
+          </a:lstStyle>
+          <a:p>
+            <a:r>
               <a:rPr lang="en-US" dirty="0"/>
-              <a:t>8/13/2021</a:t>
-            </a:fld>
-            <a:endParaRPr lang="en-US" dirty="0"/>
-          </a:p>
-        </p:txBody>
-      </p:sp>
-      <p:sp>
-        <p:nvSpPr>
-          <p:cNvPr id="6" name="Footer Placeholder 5"/>
-          <p:cNvSpPr>
-            <a:spLocks noGrp="1"/>
-          </p:cNvSpPr>
-          <p:nvPr>
-            <p:ph type="ftr" sz="quarter" idx="11"/>
-          </p:nvPr>
-        </p:nvSpPr>
-        <p:spPr/>
-        <p:txBody>
-          <a:bodyPr/>
-          <a:lstStyle/>
-          <a:p>
-            <a:endParaRPr lang="en-US" dirty="0"/>
-          </a:p>
-        </p:txBody>
-      </p:sp>
-      <p:sp>
-        <p:nvSpPr>
-          <p:cNvPr id="7" name="Slide Number Placeholder 6"/>
-          <p:cNvSpPr>
-            <a:spLocks noGrp="1"/>
-          </p:cNvSpPr>
-          <p:nvPr>
-            <p:ph type="sldNum" sz="quarter" idx="12"/>
-          </p:nvPr>
-        </p:nvSpPr>
-        <p:spPr/>
-        <p:txBody>
-          <a:bodyPr/>
-          <a:lstStyle/>
-          <a:p>
-            <a:fld id="{48F63A3B-78C7-47BE-AE5E-E10140E04643}" type="slidenum">
-              <a:rPr lang="en-US" dirty="0"/>
-              <a:t>‹#›</a:t>
-            </a:fld>
-            <a:endParaRPr lang="en-US" dirty="0"/>
+              <a:t>Click to edit Master title style</a:t>
+            </a:r>
           </a:p>
         </p:txBody>
       </p:sp>
       <p:pic>
         <p:nvPicPr>
-          <p:cNvPr id="8" name="Picture 7">
+          <p:cNvPr id="12" name="Picture 11">
             <a:extLst>
               <a:ext uri="{FF2B5EF4-FFF2-40B4-BE49-F238E27FC236}">
-                <a16:creationId xmlns:a16="http://schemas.microsoft.com/office/drawing/2014/main" id="{092A039E-8AC5-418A-A8B3-98A082BDEDF1}"/>
+                <a16:creationId xmlns:a16="http://schemas.microsoft.com/office/drawing/2014/main" id="{8A28C0D6-353F-4FC8-958E-C46808DD0140}"/>
               </a:ext>
             </a:extLst>
           </p:cNvPr>
@@ -1990,59 +2440,20 @@
         </p:blipFill>
         <p:spPr>
           <a:xfrm>
-            <a:off x="0" y="6234073"/>
-            <a:ext cx="9144000" cy="623927"/>
+            <a:off x="628650" y="445903"/>
+            <a:ext cx="1669821" cy="674698"/>
           </a:xfrm>
           <a:prstGeom prst="rect">
             <a:avLst/>
           </a:prstGeom>
         </p:spPr>
       </p:pic>
-      <p:sp>
-        <p:nvSpPr>
-          <p:cNvPr id="9" name="Title 1">
+      <p:pic>
+        <p:nvPicPr>
+          <p:cNvPr id="13" name="Picture 12">
             <a:extLst>
               <a:ext uri="{FF2B5EF4-FFF2-40B4-BE49-F238E27FC236}">
-                <a16:creationId xmlns:a16="http://schemas.microsoft.com/office/drawing/2014/main" id="{24839231-41F1-4DDE-89A7-66325C4F32CE}"/>
-              </a:ext>
-            </a:extLst>
-          </p:cNvPr>
-          <p:cNvSpPr>
-            <a:spLocks noGrp="1"/>
-          </p:cNvSpPr>
-          <p:nvPr>
-            <p:ph type="title"/>
-          </p:nvPr>
-        </p:nvSpPr>
-        <p:spPr>
-          <a:xfrm>
-            <a:off x="3540034" y="365126"/>
-            <a:ext cx="4975316" cy="990609"/>
-          </a:xfrm>
-        </p:spPr>
-        <p:txBody>
-          <a:bodyPr anchor="b">
-            <a:normAutofit/>
-          </a:bodyPr>
-          <a:lstStyle>
-            <a:lvl1pPr algn="r">
-              <a:defRPr sz="3200" b="1"/>
-            </a:lvl1pPr>
-          </a:lstStyle>
-          <a:p>
-            <a:r>
-              <a:rPr lang="en-US" dirty="0"/>
-              <a:t>Click to edit Master title style</a:t>
-            </a:r>
-          </a:p>
-        </p:txBody>
-      </p:sp>
-      <p:pic>
-        <p:nvPicPr>
-          <p:cNvPr id="10" name="Picture 9">
-            <a:extLst>
-              <a:ext uri="{FF2B5EF4-FFF2-40B4-BE49-F238E27FC236}">
-                <a16:creationId xmlns:a16="http://schemas.microsoft.com/office/drawing/2014/main" id="{79503AA8-308A-4A36-ABEA-F687706CE918}"/>
+                <a16:creationId xmlns:a16="http://schemas.microsoft.com/office/drawing/2014/main" id="{53BCD5B9-09E1-4330-BA39-15985F8B2D83}"/>
               </a:ext>
             </a:extLst>
           </p:cNvPr>
@@ -2065,14 +2476,57 @@
         </p:blipFill>
         <p:spPr>
           <a:xfrm>
-            <a:off x="628650" y="681037"/>
-            <a:ext cx="1669821" cy="674698"/>
+            <a:off x="0" y="6234073"/>
+            <a:ext cx="9144000" cy="623927"/>
           </a:xfrm>
           <a:prstGeom prst="rect">
             <a:avLst/>
           </a:prstGeom>
         </p:spPr>
       </p:pic>
+      <p:sp>
+        <p:nvSpPr>
+          <p:cNvPr id="14" name="Slide Number Placeholder 5">
+            <a:extLst>
+              <a:ext uri="{FF2B5EF4-FFF2-40B4-BE49-F238E27FC236}">
+                <a16:creationId xmlns:a16="http://schemas.microsoft.com/office/drawing/2014/main" id="{BFA3D896-B707-4FA9-9A6E-3279A13FDAAA}"/>
+              </a:ext>
+            </a:extLst>
+          </p:cNvPr>
+          <p:cNvSpPr>
+            <a:spLocks noGrp="1"/>
+          </p:cNvSpPr>
+          <p:nvPr>
+            <p:ph type="sldNum" sz="quarter" idx="12"/>
+          </p:nvPr>
+        </p:nvSpPr>
+        <p:spPr>
+          <a:xfrm>
+            <a:off x="6915150" y="6356351"/>
+            <a:ext cx="2057400" cy="365125"/>
+          </a:xfrm>
+        </p:spPr>
+        <p:txBody>
+          <a:bodyPr/>
+          <a:lstStyle>
+            <a:lvl1pPr>
+              <a:defRPr sz="1400">
+                <a:solidFill>
+                  <a:schemeClr val="bg1"/>
+                </a:solidFill>
+              </a:defRPr>
+            </a:lvl1pPr>
+          </a:lstStyle>
+          <a:p>
+            <a:fld id="{48F63A3B-78C7-47BE-AE5E-E10140E04643}" type="slidenum">
+              <a:rPr lang="en-US" smtClean="0"/>
+              <a:pPr/>
+              <a:t>‹#›</a:t>
+            </a:fld>
+            <a:endParaRPr lang="en-US" dirty="0"/>
+          </a:p>
+        </p:txBody>
+      </p:sp>
     </p:spTree>
     <p:extLst>
       <p:ext uri="{BB962C8B-B14F-4D97-AF65-F5344CB8AC3E}">
@@ -2086,7 +2540,7 @@
 </p:sldLayout>
 </file>
 
-<file path=ppt/slideLayouts/slideLayout5.xml><?xml version="1.0" encoding="utf-8"?>
+<file path=ppt/slideLayouts/slideLayout4.xml><?xml version="1.0" encoding="utf-8"?>
 <p:sldLayout xmlns:a="http://schemas.openxmlformats.org/drawingml/2006/main" xmlns:r="http://schemas.openxmlformats.org/officeDocument/2006/relationships" xmlns:p="http://schemas.openxmlformats.org/presentationml/2006/main" preserve="1" userDrawn="1">
   <p:cSld name="Comparison">
     <p:spTree>
@@ -2124,7 +2578,11 @@
           <a:lstStyle>
             <a:lvl1pPr marL="0" indent="0">
               <a:buNone/>
-              <a:defRPr sz="2400" b="1"/>
+              <a:defRPr sz="2400" b="1">
+                <a:solidFill>
+                  <a:schemeClr val="accent1"/>
+                </a:solidFill>
+              </a:defRPr>
             </a:lvl1pPr>
             <a:lvl2pPr marL="457200" indent="0">
               <a:buNone/>
@@ -2162,7 +2620,7 @@
           <a:p>
             <a:pPr lvl="0"/>
             <a:r>
-              <a:rPr lang="en-US"/>
+              <a:rPr lang="en-US" dirty="0"/>
               <a:t>Click to edit Master text styles</a:t>
             </a:r>
           </a:p>
@@ -2186,42 +2644,77 @@
         </p:spPr>
         <p:txBody>
           <a:bodyPr/>
-          <a:lstStyle/>
+          <a:lstStyle>
+            <a:lvl1pPr>
+              <a:defRPr>
+                <a:solidFill>
+                  <a:schemeClr val="accent1"/>
+                </a:solidFill>
+              </a:defRPr>
+            </a:lvl1pPr>
+            <a:lvl2pPr>
+              <a:defRPr>
+                <a:solidFill>
+                  <a:schemeClr val="accent1"/>
+                </a:solidFill>
+              </a:defRPr>
+            </a:lvl2pPr>
+            <a:lvl3pPr>
+              <a:defRPr>
+                <a:solidFill>
+                  <a:schemeClr val="accent1"/>
+                </a:solidFill>
+              </a:defRPr>
+            </a:lvl3pPr>
+            <a:lvl4pPr>
+              <a:defRPr>
+                <a:solidFill>
+                  <a:schemeClr val="accent1"/>
+                </a:solidFill>
+              </a:defRPr>
+            </a:lvl4pPr>
+            <a:lvl5pPr>
+              <a:defRPr>
+                <a:solidFill>
+                  <a:schemeClr val="accent1"/>
+                </a:solidFill>
+              </a:defRPr>
+            </a:lvl5pPr>
+          </a:lstStyle>
           <a:p>
             <a:pPr lvl="0"/>
             <a:r>
-              <a:rPr lang="en-US"/>
+              <a:rPr lang="en-US" dirty="0"/>
               <a:t>Click to edit Master text styles</a:t>
             </a:r>
           </a:p>
           <a:p>
             <a:pPr lvl="1"/>
             <a:r>
-              <a:rPr lang="en-US"/>
+              <a:rPr lang="en-US" dirty="0"/>
               <a:t>Second level</a:t>
             </a:r>
           </a:p>
           <a:p>
             <a:pPr lvl="2"/>
             <a:r>
-              <a:rPr lang="en-US"/>
+              <a:rPr lang="en-US" dirty="0"/>
               <a:t>Third level</a:t>
             </a:r>
           </a:p>
           <a:p>
             <a:pPr lvl="3"/>
             <a:r>
-              <a:rPr lang="en-US"/>
+              <a:rPr lang="en-US" dirty="0"/>
               <a:t>Fourth level</a:t>
             </a:r>
           </a:p>
           <a:p>
             <a:pPr lvl="4"/>
             <a:r>
-              <a:rPr lang="en-US"/>
+              <a:rPr lang="en-US" dirty="0"/>
               <a:t>Fifth level</a:t>
             </a:r>
-            <a:endParaRPr lang="en-US" dirty="0"/>
           </a:p>
         </p:txBody>
       </p:sp>
@@ -2246,7 +2739,11 @@
           <a:lstStyle>
             <a:lvl1pPr marL="0" indent="0">
               <a:buNone/>
-              <a:defRPr sz="2400" b="1"/>
+              <a:defRPr sz="2400" b="1">
+                <a:solidFill>
+                  <a:schemeClr val="accent1"/>
+                </a:solidFill>
+              </a:defRPr>
             </a:lvl1pPr>
             <a:lvl2pPr marL="457200" indent="0">
               <a:buNone/>
@@ -2284,7 +2781,7 @@
           <a:p>
             <a:pPr lvl="0"/>
             <a:r>
-              <a:rPr lang="en-US"/>
+              <a:rPr lang="en-US" dirty="0"/>
               <a:t>Click to edit Master text styles</a:t>
             </a:r>
           </a:p>
@@ -2308,116 +2805,129 @@
         </p:spPr>
         <p:txBody>
           <a:bodyPr/>
-          <a:lstStyle/>
+          <a:lstStyle>
+            <a:lvl1pPr>
+              <a:defRPr>
+                <a:solidFill>
+                  <a:schemeClr val="accent1"/>
+                </a:solidFill>
+              </a:defRPr>
+            </a:lvl1pPr>
+            <a:lvl2pPr>
+              <a:defRPr>
+                <a:solidFill>
+                  <a:schemeClr val="accent1"/>
+                </a:solidFill>
+              </a:defRPr>
+            </a:lvl2pPr>
+            <a:lvl3pPr>
+              <a:defRPr>
+                <a:solidFill>
+                  <a:schemeClr val="accent1"/>
+                </a:solidFill>
+              </a:defRPr>
+            </a:lvl3pPr>
+            <a:lvl4pPr>
+              <a:defRPr>
+                <a:solidFill>
+                  <a:schemeClr val="accent1"/>
+                </a:solidFill>
+              </a:defRPr>
+            </a:lvl4pPr>
+            <a:lvl5pPr>
+              <a:defRPr>
+                <a:solidFill>
+                  <a:schemeClr val="accent1"/>
+                </a:solidFill>
+              </a:defRPr>
+            </a:lvl5pPr>
+          </a:lstStyle>
           <a:p>
             <a:pPr lvl="0"/>
             <a:r>
-              <a:rPr lang="en-US"/>
+              <a:rPr lang="en-US" dirty="0"/>
               <a:t>Click to edit Master text styles</a:t>
             </a:r>
           </a:p>
           <a:p>
             <a:pPr lvl="1"/>
             <a:r>
-              <a:rPr lang="en-US"/>
+              <a:rPr lang="en-US" dirty="0"/>
               <a:t>Second level</a:t>
             </a:r>
           </a:p>
           <a:p>
             <a:pPr lvl="2"/>
             <a:r>
-              <a:rPr lang="en-US"/>
+              <a:rPr lang="en-US" dirty="0"/>
               <a:t>Third level</a:t>
             </a:r>
           </a:p>
           <a:p>
             <a:pPr lvl="3"/>
             <a:r>
-              <a:rPr lang="en-US"/>
+              <a:rPr lang="en-US" dirty="0"/>
               <a:t>Fourth level</a:t>
             </a:r>
           </a:p>
           <a:p>
             <a:pPr lvl="4"/>
             <a:r>
-              <a:rPr lang="en-US"/>
+              <a:rPr lang="en-US" dirty="0"/>
               <a:t>Fifth level</a:t>
             </a:r>
-            <a:endParaRPr lang="en-US" dirty="0"/>
           </a:p>
         </p:txBody>
       </p:sp>
       <p:sp>
         <p:nvSpPr>
-          <p:cNvPr id="7" name="Date Placeholder 6"/>
+          <p:cNvPr id="13" name="Title 1">
+            <a:extLst>
+              <a:ext uri="{FF2B5EF4-FFF2-40B4-BE49-F238E27FC236}">
+                <a16:creationId xmlns:a16="http://schemas.microsoft.com/office/drawing/2014/main" id="{00260E96-8ABF-4160-A0A4-9402FAA29C83}"/>
+              </a:ext>
+            </a:extLst>
+          </p:cNvPr>
           <p:cNvSpPr>
             <a:spLocks noGrp="1"/>
           </p:cNvSpPr>
           <p:nvPr>
-            <p:ph type="dt" sz="half" idx="10"/>
+            <p:ph type="title"/>
           </p:nvPr>
         </p:nvSpPr>
-        <p:spPr/>
+        <p:spPr>
+          <a:xfrm>
+            <a:off x="3540034" y="129992"/>
+            <a:ext cx="4975316" cy="990609"/>
+          </a:xfrm>
+        </p:spPr>
         <p:txBody>
-          <a:bodyPr/>
-          <a:lstStyle/>
-          <a:p>
-            <a:fld id="{C764DE79-268F-4C1A-8933-263129D2AF90}" type="datetimeFigureOut">
+          <a:bodyPr anchor="b">
+            <a:normAutofit/>
+          </a:bodyPr>
+          <a:lstStyle>
+            <a:lvl1pPr algn="r">
+              <a:defRPr sz="3200" b="1">
+                <a:solidFill>
+                  <a:schemeClr val="accent1"/>
+                </a:solidFill>
+              </a:defRPr>
+            </a:lvl1pPr>
+          </a:lstStyle>
+          <a:p>
+            <a:r>
               <a:rPr lang="en-US" dirty="0"/>
-              <a:t>8/13/2021</a:t>
-            </a:fld>
-            <a:endParaRPr lang="en-US" dirty="0"/>
-          </a:p>
-        </p:txBody>
-      </p:sp>
-      <p:sp>
-        <p:nvSpPr>
-          <p:cNvPr id="8" name="Footer Placeholder 7"/>
-          <p:cNvSpPr>
-            <a:spLocks noGrp="1"/>
-          </p:cNvSpPr>
-          <p:nvPr>
-            <p:ph type="ftr" sz="quarter" idx="11"/>
-          </p:nvPr>
-        </p:nvSpPr>
-        <p:spPr/>
-        <p:txBody>
-          <a:bodyPr/>
-          <a:lstStyle/>
-          <a:p>
-            <a:endParaRPr lang="en-US" dirty="0"/>
-          </a:p>
-        </p:txBody>
-      </p:sp>
-      <p:sp>
-        <p:nvSpPr>
-          <p:cNvPr id="9" name="Slide Number Placeholder 8"/>
-          <p:cNvSpPr>
-            <a:spLocks noGrp="1"/>
-          </p:cNvSpPr>
-          <p:nvPr>
-            <p:ph type="sldNum" sz="quarter" idx="12"/>
-          </p:nvPr>
-        </p:nvSpPr>
-        <p:spPr/>
-        <p:txBody>
-          <a:bodyPr/>
-          <a:lstStyle/>
-          <a:p>
-            <a:fld id="{48F63A3B-78C7-47BE-AE5E-E10140E04643}" type="slidenum">
-              <a:rPr lang="en-US" dirty="0"/>
-              <a:t>‹#›</a:t>
-            </a:fld>
-            <a:endParaRPr lang="en-US" dirty="0"/>
+              <a:t>Click to edit Master title style</a:t>
+            </a:r>
           </a:p>
         </p:txBody>
       </p:sp>
       <p:pic>
         <p:nvPicPr>
-          <p:cNvPr id="10" name="Picture 9">
+          <p:cNvPr id="14" name="Picture 13">
             <a:extLst>
               <a:ext uri="{FF2B5EF4-FFF2-40B4-BE49-F238E27FC236}">
-                <a16:creationId xmlns:a16="http://schemas.microsoft.com/office/drawing/2014/main" id="{42BD5DE3-230B-4578-AF49-B21D01138999}"/>
+                <a16:creationId xmlns:a16="http://schemas.microsoft.com/office/drawing/2014/main" id="{88126473-F3EA-47D3-A851-71FDB1B54880}"/>
               </a:ext>
             </a:extLst>
           </p:cNvPr>
@@ -2440,59 +2950,20 @@
         </p:blipFill>
         <p:spPr>
           <a:xfrm>
-            <a:off x="0" y="6234073"/>
-            <a:ext cx="9144000" cy="623927"/>
+            <a:off x="628650" y="445903"/>
+            <a:ext cx="1669821" cy="674698"/>
           </a:xfrm>
           <a:prstGeom prst="rect">
             <a:avLst/>
           </a:prstGeom>
         </p:spPr>
       </p:pic>
-      <p:sp>
-        <p:nvSpPr>
-          <p:cNvPr id="11" name="Title 1">
+      <p:pic>
+        <p:nvPicPr>
+          <p:cNvPr id="15" name="Picture 14">
             <a:extLst>
               <a:ext uri="{FF2B5EF4-FFF2-40B4-BE49-F238E27FC236}">
-                <a16:creationId xmlns:a16="http://schemas.microsoft.com/office/drawing/2014/main" id="{0C6C0D22-56AE-4509-AF72-7812D5DAD0D5}"/>
-              </a:ext>
-            </a:extLst>
-          </p:cNvPr>
-          <p:cNvSpPr>
-            <a:spLocks noGrp="1"/>
-          </p:cNvSpPr>
-          <p:nvPr>
-            <p:ph type="title"/>
-          </p:nvPr>
-        </p:nvSpPr>
-        <p:spPr>
-          <a:xfrm>
-            <a:off x="3540034" y="365126"/>
-            <a:ext cx="4975316" cy="990609"/>
-          </a:xfrm>
-        </p:spPr>
-        <p:txBody>
-          <a:bodyPr anchor="b">
-            <a:normAutofit/>
-          </a:bodyPr>
-          <a:lstStyle>
-            <a:lvl1pPr algn="r">
-              <a:defRPr sz="3200" b="1"/>
-            </a:lvl1pPr>
-          </a:lstStyle>
-          <a:p>
-            <a:r>
-              <a:rPr lang="en-US" dirty="0"/>
-              <a:t>Click to edit Master title style</a:t>
-            </a:r>
-          </a:p>
-        </p:txBody>
-      </p:sp>
-      <p:pic>
-        <p:nvPicPr>
-          <p:cNvPr id="12" name="Picture 11">
-            <a:extLst>
-              <a:ext uri="{FF2B5EF4-FFF2-40B4-BE49-F238E27FC236}">
-                <a16:creationId xmlns:a16="http://schemas.microsoft.com/office/drawing/2014/main" id="{4E715BBD-7DE7-4189-808B-0FEB25A83BFD}"/>
+                <a16:creationId xmlns:a16="http://schemas.microsoft.com/office/drawing/2014/main" id="{143FCD99-C293-43E7-AD0A-B018E2BF0E13}"/>
               </a:ext>
             </a:extLst>
           </p:cNvPr>
@@ -2515,14 +2986,57 @@
         </p:blipFill>
         <p:spPr>
           <a:xfrm>
-            <a:off x="628650" y="681037"/>
-            <a:ext cx="1669821" cy="674698"/>
+            <a:off x="0" y="6234073"/>
+            <a:ext cx="9144000" cy="623927"/>
           </a:xfrm>
           <a:prstGeom prst="rect">
             <a:avLst/>
           </a:prstGeom>
         </p:spPr>
       </p:pic>
+      <p:sp>
+        <p:nvSpPr>
+          <p:cNvPr id="16" name="Slide Number Placeholder 5">
+            <a:extLst>
+              <a:ext uri="{FF2B5EF4-FFF2-40B4-BE49-F238E27FC236}">
+                <a16:creationId xmlns:a16="http://schemas.microsoft.com/office/drawing/2014/main" id="{13EC969A-978A-45AA-8116-638EE1EC4A44}"/>
+              </a:ext>
+            </a:extLst>
+          </p:cNvPr>
+          <p:cNvSpPr>
+            <a:spLocks noGrp="1"/>
+          </p:cNvSpPr>
+          <p:nvPr>
+            <p:ph type="sldNum" sz="quarter" idx="12"/>
+          </p:nvPr>
+        </p:nvSpPr>
+        <p:spPr>
+          <a:xfrm>
+            <a:off x="6915150" y="6356351"/>
+            <a:ext cx="2057400" cy="365125"/>
+          </a:xfrm>
+        </p:spPr>
+        <p:txBody>
+          <a:bodyPr/>
+          <a:lstStyle>
+            <a:lvl1pPr>
+              <a:defRPr sz="1400">
+                <a:solidFill>
+                  <a:schemeClr val="bg1"/>
+                </a:solidFill>
+              </a:defRPr>
+            </a:lvl1pPr>
+          </a:lstStyle>
+          <a:p>
+            <a:fld id="{48F63A3B-78C7-47BE-AE5E-E10140E04643}" type="slidenum">
+              <a:rPr lang="en-US" smtClean="0"/>
+              <a:pPr/>
+              <a:t>‹#›</a:t>
+            </a:fld>
+            <a:endParaRPr lang="en-US" dirty="0"/>
+          </a:p>
+        </p:txBody>
+      </p:sp>
     </p:spTree>
     <p:extLst>
       <p:ext uri="{BB962C8B-B14F-4D97-AF65-F5344CB8AC3E}">
@@ -2536,7 +3050,7 @@
 </p:sldLayout>
 </file>
 
-<file path=ppt/slideLayouts/slideLayout6.xml><?xml version="1.0" encoding="utf-8"?>
+<file path=ppt/slideLayouts/slideLayout5.xml><?xml version="1.0" encoding="utf-8"?>
 <p:sldLayout xmlns:a="http://schemas.openxmlformats.org/drawingml/2006/main" xmlns:r="http://schemas.openxmlformats.org/officeDocument/2006/relationships" xmlns:p="http://schemas.openxmlformats.org/presentationml/2006/main" preserve="1" userDrawn="1">
   <p:cSld name="Title Only">
     <p:spTree>
@@ -2555,75 +3069,53 @@
       </p:grpSpPr>
       <p:sp>
         <p:nvSpPr>
-          <p:cNvPr id="3" name="Date Placeholder 2"/>
+          <p:cNvPr id="9" name="Title 1">
+            <a:extLst>
+              <a:ext uri="{FF2B5EF4-FFF2-40B4-BE49-F238E27FC236}">
+                <a16:creationId xmlns:a16="http://schemas.microsoft.com/office/drawing/2014/main" id="{2AF071CC-837B-40B2-A4A9-02034BB2C4A1}"/>
+              </a:ext>
+            </a:extLst>
+          </p:cNvPr>
           <p:cNvSpPr>
             <a:spLocks noGrp="1"/>
           </p:cNvSpPr>
           <p:nvPr>
-            <p:ph type="dt" sz="half" idx="10"/>
+            <p:ph type="title"/>
           </p:nvPr>
         </p:nvSpPr>
-        <p:spPr/>
+        <p:spPr>
+          <a:xfrm>
+            <a:off x="3540034" y="129992"/>
+            <a:ext cx="4975316" cy="990609"/>
+          </a:xfrm>
+        </p:spPr>
         <p:txBody>
-          <a:bodyPr/>
-          <a:lstStyle/>
-          <a:p>
-            <a:fld id="{C764DE79-268F-4C1A-8933-263129D2AF90}" type="datetimeFigureOut">
+          <a:bodyPr anchor="b">
+            <a:normAutofit/>
+          </a:bodyPr>
+          <a:lstStyle>
+            <a:lvl1pPr algn="r">
+              <a:defRPr sz="3200" b="1">
+                <a:solidFill>
+                  <a:schemeClr val="accent1"/>
+                </a:solidFill>
+              </a:defRPr>
+            </a:lvl1pPr>
+          </a:lstStyle>
+          <a:p>
+            <a:r>
               <a:rPr lang="en-US" dirty="0"/>
-              <a:t>8/13/2021</a:t>
-            </a:fld>
-            <a:endParaRPr lang="en-US" dirty="0"/>
-          </a:p>
-        </p:txBody>
-      </p:sp>
-      <p:sp>
-        <p:nvSpPr>
-          <p:cNvPr id="4" name="Footer Placeholder 3"/>
-          <p:cNvSpPr>
-            <a:spLocks noGrp="1"/>
-          </p:cNvSpPr>
-          <p:nvPr>
-            <p:ph type="ftr" sz="quarter" idx="11"/>
-          </p:nvPr>
-        </p:nvSpPr>
-        <p:spPr/>
-        <p:txBody>
-          <a:bodyPr/>
-          <a:lstStyle/>
-          <a:p>
-            <a:endParaRPr lang="en-US" dirty="0"/>
-          </a:p>
-        </p:txBody>
-      </p:sp>
-      <p:sp>
-        <p:nvSpPr>
-          <p:cNvPr id="5" name="Slide Number Placeholder 4"/>
-          <p:cNvSpPr>
-            <a:spLocks noGrp="1"/>
-          </p:cNvSpPr>
-          <p:nvPr>
-            <p:ph type="sldNum" sz="quarter" idx="12"/>
-          </p:nvPr>
-        </p:nvSpPr>
-        <p:spPr/>
-        <p:txBody>
-          <a:bodyPr/>
-          <a:lstStyle/>
-          <a:p>
-            <a:fld id="{48F63A3B-78C7-47BE-AE5E-E10140E04643}" type="slidenum">
-              <a:rPr lang="en-US" dirty="0"/>
-              <a:t>‹#›</a:t>
-            </a:fld>
-            <a:endParaRPr lang="en-US" dirty="0"/>
+              <a:t>Click to edit Master title style</a:t>
+            </a:r>
           </a:p>
         </p:txBody>
       </p:sp>
       <p:pic>
         <p:nvPicPr>
-          <p:cNvPr id="6" name="Picture 5">
+          <p:cNvPr id="10" name="Picture 9">
             <a:extLst>
               <a:ext uri="{FF2B5EF4-FFF2-40B4-BE49-F238E27FC236}">
-                <a16:creationId xmlns:a16="http://schemas.microsoft.com/office/drawing/2014/main" id="{EEB74424-55F6-4883-A2BC-9541AEE4A58E}"/>
+                <a16:creationId xmlns:a16="http://schemas.microsoft.com/office/drawing/2014/main" id="{CA9047D6-58A8-4F73-91E0-E3FD4AE63599}"/>
               </a:ext>
             </a:extLst>
           </p:cNvPr>
@@ -2646,59 +3138,20 @@
         </p:blipFill>
         <p:spPr>
           <a:xfrm>
-            <a:off x="0" y="6234073"/>
-            <a:ext cx="9144000" cy="623927"/>
+            <a:off x="628650" y="445903"/>
+            <a:ext cx="1669821" cy="674698"/>
           </a:xfrm>
           <a:prstGeom prst="rect">
             <a:avLst/>
           </a:prstGeom>
         </p:spPr>
       </p:pic>
-      <p:sp>
-        <p:nvSpPr>
-          <p:cNvPr id="7" name="Title 1">
+      <p:pic>
+        <p:nvPicPr>
+          <p:cNvPr id="11" name="Picture 10">
             <a:extLst>
               <a:ext uri="{FF2B5EF4-FFF2-40B4-BE49-F238E27FC236}">
-                <a16:creationId xmlns:a16="http://schemas.microsoft.com/office/drawing/2014/main" id="{4362DEAF-F9FC-4A70-957F-A83E44CBA5D7}"/>
-              </a:ext>
-            </a:extLst>
-          </p:cNvPr>
-          <p:cNvSpPr>
-            <a:spLocks noGrp="1"/>
-          </p:cNvSpPr>
-          <p:nvPr>
-            <p:ph type="title"/>
-          </p:nvPr>
-        </p:nvSpPr>
-        <p:spPr>
-          <a:xfrm>
-            <a:off x="3540034" y="365126"/>
-            <a:ext cx="4975316" cy="990609"/>
-          </a:xfrm>
-        </p:spPr>
-        <p:txBody>
-          <a:bodyPr anchor="b">
-            <a:normAutofit/>
-          </a:bodyPr>
-          <a:lstStyle>
-            <a:lvl1pPr algn="r">
-              <a:defRPr sz="3200" b="1"/>
-            </a:lvl1pPr>
-          </a:lstStyle>
-          <a:p>
-            <a:r>
-              <a:rPr lang="en-US" dirty="0"/>
-              <a:t>Click to edit Master title style</a:t>
-            </a:r>
-          </a:p>
-        </p:txBody>
-      </p:sp>
-      <p:pic>
-        <p:nvPicPr>
-          <p:cNvPr id="8" name="Picture 7">
-            <a:extLst>
-              <a:ext uri="{FF2B5EF4-FFF2-40B4-BE49-F238E27FC236}">
-                <a16:creationId xmlns:a16="http://schemas.microsoft.com/office/drawing/2014/main" id="{AC9ED7DB-440F-4DDB-9E98-EAE145F09760}"/>
+                <a16:creationId xmlns:a16="http://schemas.microsoft.com/office/drawing/2014/main" id="{F3F2E7E2-1454-4B5F-8412-201C14FDCBFB}"/>
               </a:ext>
             </a:extLst>
           </p:cNvPr>
@@ -2721,14 +3174,57 @@
         </p:blipFill>
         <p:spPr>
           <a:xfrm>
-            <a:off x="628650" y="681037"/>
-            <a:ext cx="1669821" cy="674698"/>
+            <a:off x="0" y="6234073"/>
+            <a:ext cx="9144000" cy="623927"/>
           </a:xfrm>
           <a:prstGeom prst="rect">
             <a:avLst/>
           </a:prstGeom>
         </p:spPr>
       </p:pic>
+      <p:sp>
+        <p:nvSpPr>
+          <p:cNvPr id="12" name="Slide Number Placeholder 5">
+            <a:extLst>
+              <a:ext uri="{FF2B5EF4-FFF2-40B4-BE49-F238E27FC236}">
+                <a16:creationId xmlns:a16="http://schemas.microsoft.com/office/drawing/2014/main" id="{A150FC21-3F3A-4204-8484-846EBE491B94}"/>
+              </a:ext>
+            </a:extLst>
+          </p:cNvPr>
+          <p:cNvSpPr>
+            <a:spLocks noGrp="1"/>
+          </p:cNvSpPr>
+          <p:nvPr>
+            <p:ph type="sldNum" sz="quarter" idx="12"/>
+          </p:nvPr>
+        </p:nvSpPr>
+        <p:spPr>
+          <a:xfrm>
+            <a:off x="6915150" y="6356351"/>
+            <a:ext cx="2057400" cy="365125"/>
+          </a:xfrm>
+        </p:spPr>
+        <p:txBody>
+          <a:bodyPr/>
+          <a:lstStyle>
+            <a:lvl1pPr>
+              <a:defRPr sz="1400">
+                <a:solidFill>
+                  <a:schemeClr val="bg1"/>
+                </a:solidFill>
+              </a:defRPr>
+            </a:lvl1pPr>
+          </a:lstStyle>
+          <a:p>
+            <a:fld id="{48F63A3B-78C7-47BE-AE5E-E10140E04643}" type="slidenum">
+              <a:rPr lang="en-US" smtClean="0"/>
+              <a:pPr/>
+              <a:t>‹#›</a:t>
+            </a:fld>
+            <a:endParaRPr lang="en-US" dirty="0"/>
+          </a:p>
+        </p:txBody>
+      </p:sp>
     </p:spTree>
     <p:extLst>
       <p:ext uri="{BB962C8B-B14F-4D97-AF65-F5344CB8AC3E}">
@@ -2742,7 +3238,7 @@
 </p:sldLayout>
 </file>
 
-<file path=ppt/slideLayouts/slideLayout7.xml><?xml version="1.0" encoding="utf-8"?>
+<file path=ppt/slideLayouts/slideLayout6.xml><?xml version="1.0" encoding="utf-8"?>
 <p:sldLayout xmlns:a="http://schemas.openxmlformats.org/drawingml/2006/main" xmlns:r="http://schemas.openxmlformats.org/officeDocument/2006/relationships" xmlns:p="http://schemas.openxmlformats.org/presentationml/2006/main" type="blank" preserve="1">
   <p:cSld name="Blank">
     <p:spTree>
@@ -2761,10 +3257,10 @@
       </p:grpSpPr>
       <p:pic>
         <p:nvPicPr>
-          <p:cNvPr id="7" name="Picture 6">
+          <p:cNvPr id="4" name="Picture 3">
             <a:extLst>
               <a:ext uri="{FF2B5EF4-FFF2-40B4-BE49-F238E27FC236}">
-                <a16:creationId xmlns:a16="http://schemas.microsoft.com/office/drawing/2014/main" id="{67D985FD-1EA1-406E-8CA8-46335C097E9E}"/>
+                <a16:creationId xmlns:a16="http://schemas.microsoft.com/office/drawing/2014/main" id="{E84AD1BF-C366-480D-A6E2-E5B9B2D0A988}"/>
               </a:ext>
             </a:extLst>
           </p:cNvPr>
@@ -2797,10 +3293,10 @@
       </p:pic>
       <p:pic>
         <p:nvPicPr>
-          <p:cNvPr id="8" name="Picture 7">
+          <p:cNvPr id="5" name="Picture 4">
             <a:extLst>
               <a:ext uri="{FF2B5EF4-FFF2-40B4-BE49-F238E27FC236}">
-                <a16:creationId xmlns:a16="http://schemas.microsoft.com/office/drawing/2014/main" id="{1A061ACF-53B6-44D9-97E0-DC984BD30D6E}"/>
+                <a16:creationId xmlns:a16="http://schemas.microsoft.com/office/drawing/2014/main" id="{7FF434C8-2C62-46D4-8297-D397C0B40D8B}"/>
               </a:ext>
             </a:extLst>
           </p:cNvPr>
@@ -2844,7 +3340,7 @@
 </p:sldLayout>
 </file>
 
-<file path=ppt/slideLayouts/slideLayout8.xml><?xml version="1.0" encoding="utf-8"?>
+<file path=ppt/slideLayouts/slideLayout7.xml><?xml version="1.0" encoding="utf-8"?>
 <p:sldLayout xmlns:a="http://schemas.openxmlformats.org/drawingml/2006/main" xmlns:r="http://schemas.openxmlformats.org/officeDocument/2006/relationships" xmlns:p="http://schemas.openxmlformats.org/presentationml/2006/main" preserve="1" userDrawn="1">
   <p:cSld name="Content with Caption">
     <p:spTree>
@@ -2873,27 +3369,47 @@
         </p:nvSpPr>
         <p:spPr>
           <a:xfrm>
-            <a:off x="3887391" y="1768612"/>
-            <a:ext cx="4629150" cy="4092439"/>
+            <a:off x="3887391" y="1559606"/>
+            <a:ext cx="4629150" cy="4301445"/>
           </a:xfrm>
         </p:spPr>
         <p:txBody>
           <a:bodyPr/>
           <a:lstStyle>
             <a:lvl1pPr>
-              <a:defRPr sz="3200"/>
+              <a:defRPr sz="3200">
+                <a:solidFill>
+                  <a:schemeClr val="accent1"/>
+                </a:solidFill>
+              </a:defRPr>
             </a:lvl1pPr>
             <a:lvl2pPr>
-              <a:defRPr sz="2800"/>
+              <a:defRPr sz="2800">
+                <a:solidFill>
+                  <a:schemeClr val="accent1"/>
+                </a:solidFill>
+              </a:defRPr>
             </a:lvl2pPr>
             <a:lvl3pPr>
-              <a:defRPr sz="2400"/>
+              <a:defRPr sz="2400">
+                <a:solidFill>
+                  <a:schemeClr val="accent1"/>
+                </a:solidFill>
+              </a:defRPr>
             </a:lvl3pPr>
             <a:lvl4pPr>
-              <a:defRPr sz="2000"/>
+              <a:defRPr sz="2000">
+                <a:solidFill>
+                  <a:schemeClr val="accent1"/>
+                </a:solidFill>
+              </a:defRPr>
             </a:lvl4pPr>
             <a:lvl5pPr>
-              <a:defRPr sz="2000"/>
+              <a:defRPr sz="2000">
+                <a:solidFill>
+                  <a:schemeClr val="accent1"/>
+                </a:solidFill>
+              </a:defRPr>
             </a:lvl5pPr>
             <a:lvl6pPr>
               <a:defRPr sz="2000"/>
@@ -2911,38 +3427,37 @@
           <a:p>
             <a:pPr lvl="0"/>
             <a:r>
-              <a:rPr lang="en-US"/>
+              <a:rPr lang="en-US" dirty="0"/>
               <a:t>Click to edit Master text styles</a:t>
             </a:r>
           </a:p>
           <a:p>
             <a:pPr lvl="1"/>
             <a:r>
-              <a:rPr lang="en-US"/>
+              <a:rPr lang="en-US" dirty="0"/>
               <a:t>Second level</a:t>
             </a:r>
           </a:p>
           <a:p>
             <a:pPr lvl="2"/>
             <a:r>
-              <a:rPr lang="en-US"/>
+              <a:rPr lang="en-US" dirty="0"/>
               <a:t>Third level</a:t>
             </a:r>
           </a:p>
           <a:p>
             <a:pPr lvl="3"/>
             <a:r>
-              <a:rPr lang="en-US"/>
+              <a:rPr lang="en-US" dirty="0"/>
               <a:t>Fourth level</a:t>
             </a:r>
           </a:p>
           <a:p>
             <a:pPr lvl="4"/>
             <a:r>
-              <a:rPr lang="en-US"/>
+              <a:rPr lang="en-US" dirty="0"/>
               <a:t>Fifth level</a:t>
             </a:r>
-            <a:endParaRPr lang="en-US" dirty="0"/>
           </a:p>
         </p:txBody>
       </p:sp>
@@ -2958,8 +3473,8 @@
         </p:nvSpPr>
         <p:spPr>
           <a:xfrm>
-            <a:off x="629841" y="1776549"/>
-            <a:ext cx="2949178" cy="4092439"/>
+            <a:off x="629841" y="1567543"/>
+            <a:ext cx="2949178" cy="4301445"/>
           </a:xfrm>
         </p:spPr>
         <p:txBody>
@@ -2967,7 +3482,11 @@
           <a:lstStyle>
             <a:lvl1pPr marL="0" indent="0">
               <a:buNone/>
-              <a:defRPr sz="1600"/>
+              <a:defRPr sz="1600">
+                <a:solidFill>
+                  <a:schemeClr val="accent1"/>
+                </a:solidFill>
+              </a:defRPr>
             </a:lvl1pPr>
             <a:lvl2pPr marL="457200" indent="0">
               <a:buNone/>
@@ -3005,7 +3524,7 @@
           <a:p>
             <a:pPr lvl="0"/>
             <a:r>
-              <a:rPr lang="en-US"/>
+              <a:rPr lang="en-US" dirty="0"/>
               <a:t>Click to edit Master text styles</a:t>
             </a:r>
           </a:p>
@@ -3013,75 +3532,53 @@
       </p:sp>
       <p:sp>
         <p:nvSpPr>
-          <p:cNvPr id="5" name="Date Placeholder 4"/>
+          <p:cNvPr id="11" name="Title 1">
+            <a:extLst>
+              <a:ext uri="{FF2B5EF4-FFF2-40B4-BE49-F238E27FC236}">
+                <a16:creationId xmlns:a16="http://schemas.microsoft.com/office/drawing/2014/main" id="{0BD7E47E-900D-408E-9922-B1E1E1EA8F2B}"/>
+              </a:ext>
+            </a:extLst>
+          </p:cNvPr>
           <p:cNvSpPr>
             <a:spLocks noGrp="1"/>
           </p:cNvSpPr>
           <p:nvPr>
-            <p:ph type="dt" sz="half" idx="10"/>
+            <p:ph type="title"/>
           </p:nvPr>
         </p:nvSpPr>
-        <p:spPr/>
+        <p:spPr>
+          <a:xfrm>
+            <a:off x="3540034" y="129992"/>
+            <a:ext cx="4975316" cy="990609"/>
+          </a:xfrm>
+        </p:spPr>
         <p:txBody>
-          <a:bodyPr/>
-          <a:lstStyle/>
-          <a:p>
-            <a:fld id="{C764DE79-268F-4C1A-8933-263129D2AF90}" type="datetimeFigureOut">
+          <a:bodyPr anchor="b">
+            <a:normAutofit/>
+          </a:bodyPr>
+          <a:lstStyle>
+            <a:lvl1pPr algn="r">
+              <a:defRPr sz="3200" b="1">
+                <a:solidFill>
+                  <a:schemeClr val="accent1"/>
+                </a:solidFill>
+              </a:defRPr>
+            </a:lvl1pPr>
+          </a:lstStyle>
+          <a:p>
+            <a:r>
               <a:rPr lang="en-US" dirty="0"/>
-              <a:t>8/13/2021</a:t>
-            </a:fld>
-            <a:endParaRPr lang="en-US" dirty="0"/>
-          </a:p>
-        </p:txBody>
-      </p:sp>
-      <p:sp>
-        <p:nvSpPr>
-          <p:cNvPr id="6" name="Footer Placeholder 5"/>
-          <p:cNvSpPr>
-            <a:spLocks noGrp="1"/>
-          </p:cNvSpPr>
-          <p:nvPr>
-            <p:ph type="ftr" sz="quarter" idx="11"/>
-          </p:nvPr>
-        </p:nvSpPr>
-        <p:spPr/>
-        <p:txBody>
-          <a:bodyPr/>
-          <a:lstStyle/>
-          <a:p>
-            <a:endParaRPr lang="en-US" dirty="0"/>
-          </a:p>
-        </p:txBody>
-      </p:sp>
-      <p:sp>
-        <p:nvSpPr>
-          <p:cNvPr id="7" name="Slide Number Placeholder 6"/>
-          <p:cNvSpPr>
-            <a:spLocks noGrp="1"/>
-          </p:cNvSpPr>
-          <p:nvPr>
-            <p:ph type="sldNum" sz="quarter" idx="12"/>
-          </p:nvPr>
-        </p:nvSpPr>
-        <p:spPr/>
-        <p:txBody>
-          <a:bodyPr/>
-          <a:lstStyle/>
-          <a:p>
-            <a:fld id="{48F63A3B-78C7-47BE-AE5E-E10140E04643}" type="slidenum">
-              <a:rPr lang="en-US" dirty="0"/>
-              <a:t>‹#›</a:t>
-            </a:fld>
-            <a:endParaRPr lang="en-US" dirty="0"/>
+              <a:t>Click to edit Master title style</a:t>
+            </a:r>
           </a:p>
         </p:txBody>
       </p:sp>
       <p:pic>
         <p:nvPicPr>
-          <p:cNvPr id="8" name="Picture 7">
+          <p:cNvPr id="12" name="Picture 11">
             <a:extLst>
               <a:ext uri="{FF2B5EF4-FFF2-40B4-BE49-F238E27FC236}">
-                <a16:creationId xmlns:a16="http://schemas.microsoft.com/office/drawing/2014/main" id="{7F59BC7A-97F6-4499-9DA2-D89DBBFE5265}"/>
+                <a16:creationId xmlns:a16="http://schemas.microsoft.com/office/drawing/2014/main" id="{0E1572A9-65A9-4CFD-B7B9-F158683EC6FC}"/>
               </a:ext>
             </a:extLst>
           </p:cNvPr>
@@ -3104,59 +3601,20 @@
         </p:blipFill>
         <p:spPr>
           <a:xfrm>
-            <a:off x="0" y="6234073"/>
-            <a:ext cx="9144000" cy="623927"/>
+            <a:off x="628650" y="445903"/>
+            <a:ext cx="1669821" cy="674698"/>
           </a:xfrm>
           <a:prstGeom prst="rect">
             <a:avLst/>
           </a:prstGeom>
         </p:spPr>
       </p:pic>
-      <p:sp>
-        <p:nvSpPr>
-          <p:cNvPr id="9" name="Title 1">
+      <p:pic>
+        <p:nvPicPr>
+          <p:cNvPr id="13" name="Picture 12">
             <a:extLst>
               <a:ext uri="{FF2B5EF4-FFF2-40B4-BE49-F238E27FC236}">
-                <a16:creationId xmlns:a16="http://schemas.microsoft.com/office/drawing/2014/main" id="{090A484F-ACF1-44AD-A775-B15E72240BB1}"/>
-              </a:ext>
-            </a:extLst>
-          </p:cNvPr>
-          <p:cNvSpPr>
-            <a:spLocks noGrp="1"/>
-          </p:cNvSpPr>
-          <p:nvPr>
-            <p:ph type="title"/>
-          </p:nvPr>
-        </p:nvSpPr>
-        <p:spPr>
-          <a:xfrm>
-            <a:off x="3540034" y="365126"/>
-            <a:ext cx="4975316" cy="990609"/>
-          </a:xfrm>
-        </p:spPr>
-        <p:txBody>
-          <a:bodyPr anchor="b">
-            <a:normAutofit/>
-          </a:bodyPr>
-          <a:lstStyle>
-            <a:lvl1pPr algn="r">
-              <a:defRPr sz="3200" b="1"/>
-            </a:lvl1pPr>
-          </a:lstStyle>
-          <a:p>
-            <a:r>
-              <a:rPr lang="en-US" dirty="0"/>
-              <a:t>Click to edit Master title style</a:t>
-            </a:r>
-          </a:p>
-        </p:txBody>
-      </p:sp>
-      <p:pic>
-        <p:nvPicPr>
-          <p:cNvPr id="10" name="Picture 9">
-            <a:extLst>
-              <a:ext uri="{FF2B5EF4-FFF2-40B4-BE49-F238E27FC236}">
-                <a16:creationId xmlns:a16="http://schemas.microsoft.com/office/drawing/2014/main" id="{D9F7B616-0667-42FD-9416-206A8A918599}"/>
+                <a16:creationId xmlns:a16="http://schemas.microsoft.com/office/drawing/2014/main" id="{1F3DB568-4ECE-4A38-891B-45FFAECCA7D2}"/>
               </a:ext>
             </a:extLst>
           </p:cNvPr>
@@ -3179,14 +3637,57 @@
         </p:blipFill>
         <p:spPr>
           <a:xfrm>
-            <a:off x="628650" y="681037"/>
-            <a:ext cx="1669821" cy="674698"/>
+            <a:off x="0" y="6234073"/>
+            <a:ext cx="9144000" cy="623927"/>
           </a:xfrm>
           <a:prstGeom prst="rect">
             <a:avLst/>
           </a:prstGeom>
         </p:spPr>
       </p:pic>
+      <p:sp>
+        <p:nvSpPr>
+          <p:cNvPr id="14" name="Slide Number Placeholder 5">
+            <a:extLst>
+              <a:ext uri="{FF2B5EF4-FFF2-40B4-BE49-F238E27FC236}">
+                <a16:creationId xmlns:a16="http://schemas.microsoft.com/office/drawing/2014/main" id="{5280DB08-D718-4065-A7E9-C247CF2C8AA3}"/>
+              </a:ext>
+            </a:extLst>
+          </p:cNvPr>
+          <p:cNvSpPr>
+            <a:spLocks noGrp="1"/>
+          </p:cNvSpPr>
+          <p:nvPr>
+            <p:ph type="sldNum" sz="quarter" idx="12"/>
+          </p:nvPr>
+        </p:nvSpPr>
+        <p:spPr>
+          <a:xfrm>
+            <a:off x="6915150" y="6356351"/>
+            <a:ext cx="2057400" cy="365125"/>
+          </a:xfrm>
+        </p:spPr>
+        <p:txBody>
+          <a:bodyPr/>
+          <a:lstStyle>
+            <a:lvl1pPr>
+              <a:defRPr sz="1400">
+                <a:solidFill>
+                  <a:schemeClr val="bg1"/>
+                </a:solidFill>
+              </a:defRPr>
+            </a:lvl1pPr>
+          </a:lstStyle>
+          <a:p>
+            <a:fld id="{48F63A3B-78C7-47BE-AE5E-E10140E04643}" type="slidenum">
+              <a:rPr lang="en-US" smtClean="0"/>
+              <a:pPr/>
+              <a:t>‹#›</a:t>
+            </a:fld>
+            <a:endParaRPr lang="en-US" dirty="0"/>
+          </a:p>
+        </p:txBody>
+      </p:sp>
     </p:spTree>
     <p:extLst>
       <p:ext uri="{BB962C8B-B14F-4D97-AF65-F5344CB8AC3E}">
@@ -3200,7 +3701,7 @@
 </p:sldLayout>
 </file>
 
-<file path=ppt/slideLayouts/slideLayout9.xml><?xml version="1.0" encoding="utf-8"?>
+<file path=ppt/slideLayouts/slideLayout8.xml><?xml version="1.0" encoding="utf-8"?>
 <p:sldLayout xmlns:a="http://schemas.openxmlformats.org/drawingml/2006/main" xmlns:r="http://schemas.openxmlformats.org/officeDocument/2006/relationships" xmlns:p="http://schemas.openxmlformats.org/presentationml/2006/main" preserve="1" userDrawn="1">
   <p:cSld name="Picture with Caption">
     <p:spTree>
@@ -3229,8 +3730,8 @@
         </p:nvSpPr>
         <p:spPr>
           <a:xfrm>
-            <a:off x="3887392" y="1776549"/>
-            <a:ext cx="4627321" cy="4082914"/>
+            <a:off x="3887392" y="1567543"/>
+            <a:ext cx="4627321" cy="4291920"/>
           </a:xfrm>
         </p:spPr>
         <p:txBody>
@@ -3238,7 +3739,11 @@
           <a:lstStyle>
             <a:lvl1pPr marL="0" indent="0">
               <a:buNone/>
-              <a:defRPr sz="3200"/>
+              <a:defRPr sz="3200">
+                <a:solidFill>
+                  <a:schemeClr val="accent1"/>
+                </a:solidFill>
+              </a:defRPr>
             </a:lvl1pPr>
             <a:lvl2pPr marL="457200" indent="0">
               <a:buNone/>
@@ -3275,84 +3780,61 @@
           </a:lstStyle>
           <a:p>
             <a:r>
-              <a:rPr lang="en-US"/>
+              <a:rPr lang="en-US" dirty="0"/>
               <a:t>Click icon to add picture</a:t>
             </a:r>
-            <a:endParaRPr lang="en-US" dirty="0"/>
           </a:p>
         </p:txBody>
       </p:sp>
       <p:sp>
         <p:nvSpPr>
-          <p:cNvPr id="5" name="Date Placeholder 4"/>
+          <p:cNvPr id="12" name="Title 1">
+            <a:extLst>
+              <a:ext uri="{FF2B5EF4-FFF2-40B4-BE49-F238E27FC236}">
+                <a16:creationId xmlns:a16="http://schemas.microsoft.com/office/drawing/2014/main" id="{01CAE8FB-7AAC-44C7-9943-DDFE53756503}"/>
+              </a:ext>
+            </a:extLst>
+          </p:cNvPr>
           <p:cNvSpPr>
             <a:spLocks noGrp="1"/>
           </p:cNvSpPr>
           <p:nvPr>
-            <p:ph type="dt" sz="half" idx="10"/>
+            <p:ph type="title"/>
           </p:nvPr>
         </p:nvSpPr>
-        <p:spPr/>
+        <p:spPr>
+          <a:xfrm>
+            <a:off x="3540034" y="129992"/>
+            <a:ext cx="4975316" cy="990609"/>
+          </a:xfrm>
+        </p:spPr>
         <p:txBody>
-          <a:bodyPr/>
-          <a:lstStyle/>
-          <a:p>
-            <a:fld id="{C764DE79-268F-4C1A-8933-263129D2AF90}" type="datetimeFigureOut">
+          <a:bodyPr anchor="b">
+            <a:normAutofit/>
+          </a:bodyPr>
+          <a:lstStyle>
+            <a:lvl1pPr algn="r">
+              <a:defRPr sz="3200" b="1">
+                <a:solidFill>
+                  <a:schemeClr val="accent1"/>
+                </a:solidFill>
+              </a:defRPr>
+            </a:lvl1pPr>
+          </a:lstStyle>
+          <a:p>
+            <a:r>
               <a:rPr lang="en-US" dirty="0"/>
-              <a:t>8/13/2021</a:t>
-            </a:fld>
-            <a:endParaRPr lang="en-US" dirty="0"/>
-          </a:p>
-        </p:txBody>
-      </p:sp>
-      <p:sp>
-        <p:nvSpPr>
-          <p:cNvPr id="6" name="Footer Placeholder 5"/>
-          <p:cNvSpPr>
-            <a:spLocks noGrp="1"/>
-          </p:cNvSpPr>
-          <p:nvPr>
-            <p:ph type="ftr" sz="quarter" idx="11"/>
-          </p:nvPr>
-        </p:nvSpPr>
-        <p:spPr/>
-        <p:txBody>
-          <a:bodyPr/>
-          <a:lstStyle/>
-          <a:p>
-            <a:endParaRPr lang="en-US" dirty="0"/>
-          </a:p>
-        </p:txBody>
-      </p:sp>
-      <p:sp>
-        <p:nvSpPr>
-          <p:cNvPr id="7" name="Slide Number Placeholder 6"/>
-          <p:cNvSpPr>
-            <a:spLocks noGrp="1"/>
-          </p:cNvSpPr>
-          <p:nvPr>
-            <p:ph type="sldNum" sz="quarter" idx="12"/>
-          </p:nvPr>
-        </p:nvSpPr>
-        <p:spPr/>
-        <p:txBody>
-          <a:bodyPr/>
-          <a:lstStyle/>
-          <a:p>
-            <a:fld id="{48F63A3B-78C7-47BE-AE5E-E10140E04643}" type="slidenum">
-              <a:rPr lang="en-US" dirty="0"/>
-              <a:t>‹#›</a:t>
-            </a:fld>
-            <a:endParaRPr lang="en-US" dirty="0"/>
+              <a:t>Click to edit Master title style</a:t>
+            </a:r>
           </a:p>
         </p:txBody>
       </p:sp>
       <p:pic>
         <p:nvPicPr>
-          <p:cNvPr id="8" name="Picture 7">
+          <p:cNvPr id="13" name="Picture 12">
             <a:extLst>
               <a:ext uri="{FF2B5EF4-FFF2-40B4-BE49-F238E27FC236}">
-                <a16:creationId xmlns:a16="http://schemas.microsoft.com/office/drawing/2014/main" id="{CC2FC6BE-56AB-4933-B0CC-320434046FE3}"/>
+                <a16:creationId xmlns:a16="http://schemas.microsoft.com/office/drawing/2014/main" id="{61927745-F323-481F-AFAD-7ECBBDA44E23}"/>
               </a:ext>
             </a:extLst>
           </p:cNvPr>
@@ -3375,82 +3857,7 @@
         </p:blipFill>
         <p:spPr>
           <a:xfrm>
-            <a:off x="0" y="6234073"/>
-            <a:ext cx="9144000" cy="623927"/>
-          </a:xfrm>
-          <a:prstGeom prst="rect">
-            <a:avLst/>
-          </a:prstGeom>
-        </p:spPr>
-      </p:pic>
-      <p:sp>
-        <p:nvSpPr>
-          <p:cNvPr id="9" name="Title 1">
-            <a:extLst>
-              <a:ext uri="{FF2B5EF4-FFF2-40B4-BE49-F238E27FC236}">
-                <a16:creationId xmlns:a16="http://schemas.microsoft.com/office/drawing/2014/main" id="{CFC1B5C8-5AEA-4902-81AB-69DD7ABED720}"/>
-              </a:ext>
-            </a:extLst>
-          </p:cNvPr>
-          <p:cNvSpPr>
-            <a:spLocks noGrp="1"/>
-          </p:cNvSpPr>
-          <p:nvPr>
-            <p:ph type="title"/>
-          </p:nvPr>
-        </p:nvSpPr>
-        <p:spPr>
-          <a:xfrm>
-            <a:off x="3540034" y="365126"/>
-            <a:ext cx="4975316" cy="990609"/>
-          </a:xfrm>
-        </p:spPr>
-        <p:txBody>
-          <a:bodyPr anchor="b">
-            <a:normAutofit/>
-          </a:bodyPr>
-          <a:lstStyle>
-            <a:lvl1pPr algn="r">
-              <a:defRPr sz="3200" b="1"/>
-            </a:lvl1pPr>
-          </a:lstStyle>
-          <a:p>
-            <a:r>
-              <a:rPr lang="en-US" dirty="0"/>
-              <a:t>Click to edit Master title style</a:t>
-            </a:r>
-          </a:p>
-        </p:txBody>
-      </p:sp>
-      <p:pic>
-        <p:nvPicPr>
-          <p:cNvPr id="10" name="Picture 9">
-            <a:extLst>
-              <a:ext uri="{FF2B5EF4-FFF2-40B4-BE49-F238E27FC236}">
-                <a16:creationId xmlns:a16="http://schemas.microsoft.com/office/drawing/2014/main" id="{12FCE5E8-E90F-421E-8F57-2FA83CAB5975}"/>
-              </a:ext>
-            </a:extLst>
-          </p:cNvPr>
-          <p:cNvPicPr>
-            <a:picLocks noChangeAspect="1"/>
-          </p:cNvPicPr>
-          <p:nvPr userDrawn="1"/>
-        </p:nvPicPr>
-        <p:blipFill>
-          <a:blip r:embed="rId3">
-            <a:extLst>
-              <a:ext uri="{28A0092B-C50C-407E-A947-70E740481C1C}">
-                <a14:useLocalDpi xmlns:a14="http://schemas.microsoft.com/office/drawing/2010/main" val="0"/>
-              </a:ext>
-            </a:extLst>
-          </a:blip>
-          <a:stretch>
-            <a:fillRect/>
-          </a:stretch>
-        </p:blipFill>
-        <p:spPr>
-          <a:xfrm>
-            <a:off x="628650" y="681037"/>
+            <a:off x="628650" y="445903"/>
             <a:ext cx="1669821" cy="674698"/>
           </a:xfrm>
           <a:prstGeom prst="rect">
@@ -3460,10 +3867,10 @@
       </p:pic>
       <p:sp>
         <p:nvSpPr>
-          <p:cNvPr id="11" name="Text Placeholder 3">
+          <p:cNvPr id="14" name="Text Placeholder 3">
             <a:extLst>
               <a:ext uri="{FF2B5EF4-FFF2-40B4-BE49-F238E27FC236}">
-                <a16:creationId xmlns:a16="http://schemas.microsoft.com/office/drawing/2014/main" id="{FA69D2D2-54B6-4986-B243-10BA44A9E648}"/>
+                <a16:creationId xmlns:a16="http://schemas.microsoft.com/office/drawing/2014/main" id="{2394AE66-8E75-4AA5-9DBD-8E821ADF68DA}"/>
               </a:ext>
             </a:extLst>
           </p:cNvPr>
@@ -3476,8 +3883,8 @@
         </p:nvSpPr>
         <p:spPr>
           <a:xfrm>
-            <a:off x="629841" y="1776549"/>
-            <a:ext cx="2949178" cy="4092439"/>
+            <a:off x="629841" y="1567543"/>
+            <a:ext cx="2949178" cy="4301445"/>
           </a:xfrm>
         </p:spPr>
         <p:txBody>
@@ -3485,7 +3892,11 @@
           <a:lstStyle>
             <a:lvl1pPr marL="0" indent="0">
               <a:buNone/>
-              <a:defRPr sz="1600"/>
+              <a:defRPr sz="1600">
+                <a:solidFill>
+                  <a:schemeClr val="accent1"/>
+                </a:solidFill>
+              </a:defRPr>
             </a:lvl1pPr>
             <a:lvl2pPr marL="457200" indent="0">
               <a:buNone/>
@@ -3523,9 +3934,88 @@
           <a:p>
             <a:pPr lvl="0"/>
             <a:r>
-              <a:rPr lang="en-US"/>
+              <a:rPr lang="en-US" dirty="0"/>
               <a:t>Click to edit Master text styles</a:t>
             </a:r>
+          </a:p>
+        </p:txBody>
+      </p:sp>
+      <p:pic>
+        <p:nvPicPr>
+          <p:cNvPr id="15" name="Picture 14">
+            <a:extLst>
+              <a:ext uri="{FF2B5EF4-FFF2-40B4-BE49-F238E27FC236}">
+                <a16:creationId xmlns:a16="http://schemas.microsoft.com/office/drawing/2014/main" id="{62053DB3-032D-4C5D-B1DB-6382CEB7130B}"/>
+              </a:ext>
+            </a:extLst>
+          </p:cNvPr>
+          <p:cNvPicPr>
+            <a:picLocks noChangeAspect="1"/>
+          </p:cNvPicPr>
+          <p:nvPr userDrawn="1"/>
+        </p:nvPicPr>
+        <p:blipFill>
+          <a:blip r:embed="rId3">
+            <a:extLst>
+              <a:ext uri="{28A0092B-C50C-407E-A947-70E740481C1C}">
+                <a14:useLocalDpi xmlns:a14="http://schemas.microsoft.com/office/drawing/2010/main" val="0"/>
+              </a:ext>
+            </a:extLst>
+          </a:blip>
+          <a:stretch>
+            <a:fillRect/>
+          </a:stretch>
+        </p:blipFill>
+        <p:spPr>
+          <a:xfrm>
+            <a:off x="0" y="6234073"/>
+            <a:ext cx="9144000" cy="623927"/>
+          </a:xfrm>
+          <a:prstGeom prst="rect">
+            <a:avLst/>
+          </a:prstGeom>
+        </p:spPr>
+      </p:pic>
+      <p:sp>
+        <p:nvSpPr>
+          <p:cNvPr id="16" name="Slide Number Placeholder 5">
+            <a:extLst>
+              <a:ext uri="{FF2B5EF4-FFF2-40B4-BE49-F238E27FC236}">
+                <a16:creationId xmlns:a16="http://schemas.microsoft.com/office/drawing/2014/main" id="{C3833989-EA3A-4FE9-8D89-4E2B8FCF227D}"/>
+              </a:ext>
+            </a:extLst>
+          </p:cNvPr>
+          <p:cNvSpPr>
+            <a:spLocks noGrp="1"/>
+          </p:cNvSpPr>
+          <p:nvPr>
+            <p:ph type="sldNum" sz="quarter" idx="12"/>
+          </p:nvPr>
+        </p:nvSpPr>
+        <p:spPr>
+          <a:xfrm>
+            <a:off x="6915150" y="6356351"/>
+            <a:ext cx="2057400" cy="365125"/>
+          </a:xfrm>
+        </p:spPr>
+        <p:txBody>
+          <a:bodyPr/>
+          <a:lstStyle>
+            <a:lvl1pPr>
+              <a:defRPr sz="1400">
+                <a:solidFill>
+                  <a:schemeClr val="bg1"/>
+                </a:solidFill>
+              </a:defRPr>
+            </a:lvl1pPr>
+          </a:lstStyle>
+          <a:p>
+            <a:fld id="{48F63A3B-78C7-47BE-AE5E-E10140E04643}" type="slidenum">
+              <a:rPr lang="en-US" smtClean="0"/>
+              <a:pPr/>
+              <a:t>‹#›</a:t>
+            </a:fld>
+            <a:endParaRPr lang="en-US" dirty="0"/>
           </a:p>
         </p:txBody>
       </p:sp>
@@ -3692,10 +4182,6 @@
             </a:lvl1pPr>
           </a:lstStyle>
           <a:p>
-            <a:fld id="{C764DE79-268F-4C1A-8933-263129D2AF90}" type="datetimeFigureOut">
-              <a:rPr lang="en-US" dirty="0"/>
-              <a:t>8/13/2021</a:t>
-            </a:fld>
             <a:endParaRPr lang="en-US" dirty="0"/>
           </a:p>
         </p:txBody>
@@ -3789,15 +4275,14 @@
   <p:sldLayoutIdLst>
     <p:sldLayoutId id="2147483651" r:id="rId1"/>
     <p:sldLayoutId id="2147483652" r:id="rId2"/>
-    <p:sldLayoutId id="2147483653" r:id="rId3"/>
-    <p:sldLayoutId id="2147483654" r:id="rId4"/>
-    <p:sldLayoutId id="2147483655" r:id="rId5"/>
-    <p:sldLayoutId id="2147483656" r:id="rId6"/>
-    <p:sldLayoutId id="2147483657" r:id="rId7"/>
-    <p:sldLayoutId id="2147483658" r:id="rId8"/>
-    <p:sldLayoutId id="2147483659" r:id="rId9"/>
-    <p:sldLayoutId id="2147483660" r:id="rId10"/>
+    <p:sldLayoutId id="2147483654" r:id="rId3"/>
+    <p:sldLayoutId id="2147483655" r:id="rId4"/>
+    <p:sldLayoutId id="2147483656" r:id="rId5"/>
+    <p:sldLayoutId id="2147483657" r:id="rId6"/>
+    <p:sldLayoutId id="2147483658" r:id="rId7"/>
+    <p:sldLayoutId id="2147483659" r:id="rId8"/>
   </p:sldLayoutIdLst>
+  <p:hf hdr="0" ftr="0" dt="0"/>
   <p:txStyles>
     <p:titleStyle>
       <a:lvl1pPr algn="l" defTabSz="914400" rtl="0" eaLnBrk="1" latinLnBrk="0" hangingPunct="1">
@@ -4103,7 +4588,7 @@
           <p:cNvPr id="2" name="Title 1">
             <a:extLst>
               <a:ext uri="{FF2B5EF4-FFF2-40B4-BE49-F238E27FC236}">
-                <a16:creationId xmlns:a16="http://schemas.microsoft.com/office/drawing/2014/main" id="{953685C4-064E-45D2-BDFC-CA9117A1BE25}"/>
+                <a16:creationId xmlns:a16="http://schemas.microsoft.com/office/drawing/2014/main" id="{AF5DF1C4-5F39-4A17-91E5-2D3D9F92DEB0}"/>
               </a:ext>
             </a:extLst>
           </p:cNvPr>
@@ -4119,7 +4604,10 @@
           <a:bodyPr/>
           <a:lstStyle/>
           <a:p>
-            <a:endParaRPr lang="id-ID"/>
+            <a:r>
+              <a:rPr lang="id-ID" dirty="0"/>
+              <a:t>METODE NUMERIK</a:t>
+            </a:r>
           </a:p>
         </p:txBody>
       </p:sp>
@@ -4128,7 +4616,7 @@
           <p:cNvPr id="3" name="Subtitle 2">
             <a:extLst>
               <a:ext uri="{FF2B5EF4-FFF2-40B4-BE49-F238E27FC236}">
-                <a16:creationId xmlns:a16="http://schemas.microsoft.com/office/drawing/2014/main" id="{57A9AE1D-E3F1-4EEB-967E-EA9D1984564E}"/>
+                <a16:creationId xmlns:a16="http://schemas.microsoft.com/office/drawing/2014/main" id="{6B464C33-C47E-40ED-9096-D34F5A6254DE}"/>
               </a:ext>
             </a:extLst>
           </p:cNvPr>
@@ -4144,14 +4632,148 @@
           <a:bodyPr/>
           <a:lstStyle/>
           <a:p>
-            <a:endParaRPr lang="id-ID"/>
+            <a:r>
+              <a:rPr lang="id-ID" dirty="0"/>
+              <a:t>Deret Taylor dan Analisis Galat</a:t>
+            </a:r>
+          </a:p>
+          <a:p>
+            <a:endParaRPr lang="id-ID" dirty="0"/>
+          </a:p>
+          <a:p>
+            <a:r>
+              <a:rPr lang="id-ID" dirty="0"/>
+              <a:t>Tim Dosen Pengampu</a:t>
+            </a:r>
           </a:p>
         </p:txBody>
       </p:sp>
     </p:spTree>
     <p:extLst>
       <p:ext uri="{BB962C8B-B14F-4D97-AF65-F5344CB8AC3E}">
-        <p14:creationId xmlns:p14="http://schemas.microsoft.com/office/powerpoint/2010/main" val="1276298140"/>
+        <p14:creationId xmlns:p14="http://schemas.microsoft.com/office/powerpoint/2010/main" val="4046336571"/>
+      </p:ext>
+    </p:extLst>
+  </p:cSld>
+  <p:clrMapOvr>
+    <a:masterClrMapping/>
+  </p:clrMapOvr>
+</p:sld>
+</file>
+
+<file path=ppt/slides/slide2.xml><?xml version="1.0" encoding="utf-8"?>
+<p:sld xmlns:a="http://schemas.openxmlformats.org/drawingml/2006/main" xmlns:r="http://schemas.openxmlformats.org/officeDocument/2006/relationships" xmlns:p="http://schemas.openxmlformats.org/presentationml/2006/main">
+  <p:cSld>
+    <p:spTree>
+      <p:nvGrpSpPr>
+        <p:cNvPr id="1" name=""/>
+        <p:cNvGrpSpPr/>
+        <p:nvPr/>
+      </p:nvGrpSpPr>
+      <p:grpSpPr>
+        <a:xfrm>
+          <a:off x="0" y="0"/>
+          <a:ext cx="0" cy="0"/>
+          <a:chOff x="0" y="0"/>
+          <a:chExt cx="0" cy="0"/>
+        </a:xfrm>
+      </p:grpSpPr>
+      <p:sp>
+        <p:nvSpPr>
+          <p:cNvPr id="2" name="Title 1">
+            <a:extLst>
+              <a:ext uri="{FF2B5EF4-FFF2-40B4-BE49-F238E27FC236}">
+                <a16:creationId xmlns:a16="http://schemas.microsoft.com/office/drawing/2014/main" id="{9557933B-91AD-4A6D-B84A-97087DEC44BB}"/>
+              </a:ext>
+            </a:extLst>
+          </p:cNvPr>
+          <p:cNvSpPr>
+            <a:spLocks noGrp="1"/>
+          </p:cNvSpPr>
+          <p:nvPr>
+            <p:ph type="title"/>
+          </p:nvPr>
+        </p:nvSpPr>
+        <p:spPr/>
+        <p:txBody>
+          <a:bodyPr/>
+          <a:lstStyle/>
+          <a:p>
+            <a:r>
+              <a:rPr lang="id-ID" dirty="0"/>
+              <a:t>Deret Taylor</a:t>
+            </a:r>
+          </a:p>
+        </p:txBody>
+      </p:sp>
+      <p:sp>
+        <p:nvSpPr>
+          <p:cNvPr id="3" name="Content Placeholder 2">
+            <a:extLst>
+              <a:ext uri="{FF2B5EF4-FFF2-40B4-BE49-F238E27FC236}">
+                <a16:creationId xmlns:a16="http://schemas.microsoft.com/office/drawing/2014/main" id="{9455B044-E809-4066-9DF6-E25976AFC48C}"/>
+              </a:ext>
+            </a:extLst>
+          </p:cNvPr>
+          <p:cNvSpPr>
+            <a:spLocks noGrp="1"/>
+          </p:cNvSpPr>
+          <p:nvPr>
+            <p:ph idx="1"/>
+          </p:nvPr>
+        </p:nvSpPr>
+        <p:spPr/>
+        <p:txBody>
+          <a:bodyPr/>
+          <a:lstStyle/>
+          <a:p>
+            <a:r>
+              <a:rPr lang="id-ID" dirty="0"/>
+              <a:t>List 1</a:t>
+            </a:r>
+          </a:p>
+          <a:p>
+            <a:r>
+              <a:rPr lang="id-ID" dirty="0"/>
+              <a:t>List 2</a:t>
+            </a:r>
+          </a:p>
+        </p:txBody>
+      </p:sp>
+      <p:sp>
+        <p:nvSpPr>
+          <p:cNvPr id="4" name="Slide Number Placeholder 3">
+            <a:extLst>
+              <a:ext uri="{FF2B5EF4-FFF2-40B4-BE49-F238E27FC236}">
+                <a16:creationId xmlns:a16="http://schemas.microsoft.com/office/drawing/2014/main" id="{26306E58-D338-41DA-A509-BB3DEA17D6C2}"/>
+              </a:ext>
+            </a:extLst>
+          </p:cNvPr>
+          <p:cNvSpPr>
+            <a:spLocks noGrp="1"/>
+          </p:cNvSpPr>
+          <p:nvPr>
+            <p:ph type="sldNum" sz="quarter" idx="12"/>
+          </p:nvPr>
+        </p:nvSpPr>
+        <p:spPr/>
+        <p:txBody>
+          <a:bodyPr/>
+          <a:lstStyle/>
+          <a:p>
+            <a:fld id="{48F63A3B-78C7-47BE-AE5E-E10140E04643}" type="slidenum">
+              <a:rPr lang="en-US" smtClean="0"/>
+              <a:pPr/>
+              <a:t>2</a:t>
+            </a:fld>
+            <a:endParaRPr lang="en-US" dirty="0"/>
+          </a:p>
+        </p:txBody>
+      </p:sp>
+    </p:spTree>
+    <p:extLst>
+      <p:ext uri="{BB962C8B-B14F-4D97-AF65-F5344CB8AC3E}">
+        <p14:creationId xmlns:p14="http://schemas.microsoft.com/office/powerpoint/2010/main" val="4276120472"/>
       </p:ext>
     </p:extLst>
   </p:cSld>
@@ -4420,4 +5042,299 @@
     </a:ext>
   </a:extLst>
 </a:theme>
+</file>
+
+<file path=ppt/theme/theme2.xml><?xml version="1.0" encoding="utf-8"?>
+<a:theme xmlns:a="http://schemas.openxmlformats.org/drawingml/2006/main" name="Office Theme">
+  <a:themeElements>
+    <a:clrScheme name="Office">
+      <a:dk1>
+        <a:sysClr val="windowText" lastClr="000000"/>
+      </a:dk1>
+      <a:lt1>
+        <a:sysClr val="window" lastClr="FFFFFF"/>
+      </a:lt1>
+      <a:dk2>
+        <a:srgbClr val="44546A"/>
+      </a:dk2>
+      <a:lt2>
+        <a:srgbClr val="E7E6E6"/>
+      </a:lt2>
+      <a:accent1>
+        <a:srgbClr val="4472C4"/>
+      </a:accent1>
+      <a:accent2>
+        <a:srgbClr val="ED7D31"/>
+      </a:accent2>
+      <a:accent3>
+        <a:srgbClr val="A5A5A5"/>
+      </a:accent3>
+      <a:accent4>
+        <a:srgbClr val="FFC000"/>
+      </a:accent4>
+      <a:accent5>
+        <a:srgbClr val="5B9BD5"/>
+      </a:accent5>
+      <a:accent6>
+        <a:srgbClr val="70AD47"/>
+      </a:accent6>
+      <a:hlink>
+        <a:srgbClr val="0563C1"/>
+      </a:hlink>
+      <a:folHlink>
+        <a:srgbClr val="954F72"/>
+      </a:folHlink>
+    </a:clrScheme>
+    <a:fontScheme name="Office">
+      <a:majorFont>
+        <a:latin typeface="Calibri Light" panose="020F0302020204030204"/>
+        <a:ea typeface=""/>
+        <a:cs typeface=""/>
+        <a:font script="Jpan" typeface="游ゴシック Light"/>
+        <a:font script="Hang" typeface="맑은 고딕"/>
+        <a:font script="Hans" typeface="等线 Light"/>
+        <a:font script="Hant" typeface="新細明體"/>
+        <a:font script="Arab" typeface="Times New Roman"/>
+        <a:font script="Hebr" typeface="Times New Roman"/>
+        <a:font script="Thai" typeface="Angsana New"/>
+        <a:font script="Ethi" typeface="Nyala"/>
+        <a:font script="Beng" typeface="Vrinda"/>
+        <a:font script="Gujr" typeface="Shruti"/>
+        <a:font script="Khmr" typeface="MoolBoran"/>
+        <a:font script="Knda" typeface="Tunga"/>
+        <a:font script="Guru" typeface="Raavi"/>
+        <a:font script="Cans" typeface="Euphemia"/>
+        <a:font script="Cher" typeface="Plantagenet Cherokee"/>
+        <a:font script="Yiii" typeface="Microsoft Yi Baiti"/>
+        <a:font script="Tibt" typeface="Microsoft Himalaya"/>
+        <a:font script="Thaa" typeface="MV Boli"/>
+        <a:font script="Deva" typeface="Mangal"/>
+        <a:font script="Telu" typeface="Gautami"/>
+        <a:font script="Taml" typeface="Latha"/>
+        <a:font script="Syrc" typeface="Estrangelo Edessa"/>
+        <a:font script="Orya" typeface="Kalinga"/>
+        <a:font script="Mlym" typeface="Kartika"/>
+        <a:font script="Laoo" typeface="DokChampa"/>
+        <a:font script="Sinh" typeface="Iskoola Pota"/>
+        <a:font script="Mong" typeface="Mongolian Baiti"/>
+        <a:font script="Viet" typeface="Times New Roman"/>
+        <a:font script="Uigh" typeface="Microsoft Uighur"/>
+        <a:font script="Geor" typeface="Sylfaen"/>
+        <a:font script="Armn" typeface="Arial"/>
+        <a:font script="Bugi" typeface="Leelawadee UI"/>
+        <a:font script="Bopo" typeface="Microsoft JhengHei"/>
+        <a:font script="Java" typeface="Javanese Text"/>
+        <a:font script="Lisu" typeface="Segoe UI"/>
+        <a:font script="Mymr" typeface="Myanmar Text"/>
+        <a:font script="Nkoo" typeface="Ebrima"/>
+        <a:font script="Olck" typeface="Nirmala UI"/>
+        <a:font script="Osma" typeface="Ebrima"/>
+        <a:font script="Phag" typeface="Phagspa"/>
+        <a:font script="Syrn" typeface="Estrangelo Edessa"/>
+        <a:font script="Syrj" typeface="Estrangelo Edessa"/>
+        <a:font script="Syre" typeface="Estrangelo Edessa"/>
+        <a:font script="Sora" typeface="Nirmala UI"/>
+        <a:font script="Tale" typeface="Microsoft Tai Le"/>
+        <a:font script="Talu" typeface="Microsoft New Tai Lue"/>
+        <a:font script="Tfng" typeface="Ebrima"/>
+      </a:majorFont>
+      <a:minorFont>
+        <a:latin typeface="Calibri" panose="020F0502020204030204"/>
+        <a:ea typeface=""/>
+        <a:cs typeface=""/>
+        <a:font script="Jpan" typeface="游ゴシック"/>
+        <a:font script="Hang" typeface="맑은 고딕"/>
+        <a:font script="Hans" typeface="等线"/>
+        <a:font script="Hant" typeface="新細明體"/>
+        <a:font script="Arab" typeface="Arial"/>
+        <a:font script="Hebr" typeface="Arial"/>
+        <a:font script="Thai" typeface="Cordia New"/>
+        <a:font script="Ethi" typeface="Nyala"/>
+        <a:font script="Beng" typeface="Vrinda"/>
+        <a:font script="Gujr" typeface="Shruti"/>
+        <a:font script="Khmr" typeface="DaunPenh"/>
+        <a:font script="Knda" typeface="Tunga"/>
+        <a:font script="Guru" typeface="Raavi"/>
+        <a:font script="Cans" typeface="Euphemia"/>
+        <a:font script="Cher" typeface="Plantagenet Cherokee"/>
+        <a:font script="Yiii" typeface="Microsoft Yi Baiti"/>
+        <a:font script="Tibt" typeface="Microsoft Himalaya"/>
+        <a:font script="Thaa" typeface="MV Boli"/>
+        <a:font script="Deva" typeface="Mangal"/>
+        <a:font script="Telu" typeface="Gautami"/>
+        <a:font script="Taml" typeface="Latha"/>
+        <a:font script="Syrc" typeface="Estrangelo Edessa"/>
+        <a:font script="Orya" typeface="Kalinga"/>
+        <a:font script="Mlym" typeface="Kartika"/>
+        <a:font script="Laoo" typeface="DokChampa"/>
+        <a:font script="Sinh" typeface="Iskoola Pota"/>
+        <a:font script="Mong" typeface="Mongolian Baiti"/>
+        <a:font script="Viet" typeface="Arial"/>
+        <a:font script="Uigh" typeface="Microsoft Uighur"/>
+        <a:font script="Geor" typeface="Sylfaen"/>
+        <a:font script="Armn" typeface="Arial"/>
+        <a:font script="Bugi" typeface="Leelawadee UI"/>
+        <a:font script="Bopo" typeface="Microsoft JhengHei"/>
+        <a:font script="Java" typeface="Javanese Text"/>
+        <a:font script="Lisu" typeface="Segoe UI"/>
+        <a:font script="Mymr" typeface="Myanmar Text"/>
+        <a:font script="Nkoo" typeface="Ebrima"/>
+        <a:font script="Olck" typeface="Nirmala UI"/>
+        <a:font script="Osma" typeface="Ebrima"/>
+        <a:font script="Phag" typeface="Phagspa"/>
+        <a:font script="Syrn" typeface="Estrangelo Edessa"/>
+        <a:font script="Syrj" typeface="Estrangelo Edessa"/>
+        <a:font script="Syre" typeface="Estrangelo Edessa"/>
+        <a:font script="Sora" typeface="Nirmala UI"/>
+        <a:font script="Tale" typeface="Microsoft Tai Le"/>
+        <a:font script="Talu" typeface="Microsoft New Tai Lue"/>
+        <a:font script="Tfng" typeface="Ebrima"/>
+      </a:minorFont>
+    </a:fontScheme>
+    <a:fmtScheme name="Office">
+      <a:fillStyleLst>
+        <a:solidFill>
+          <a:schemeClr val="phClr"/>
+        </a:solidFill>
+        <a:gradFill rotWithShape="1">
+          <a:gsLst>
+            <a:gs pos="0">
+              <a:schemeClr val="phClr">
+                <a:lumMod val="110000"/>
+                <a:satMod val="105000"/>
+                <a:tint val="67000"/>
+              </a:schemeClr>
+            </a:gs>
+            <a:gs pos="50000">
+              <a:schemeClr val="phClr">
+                <a:lumMod val="105000"/>
+                <a:satMod val="103000"/>
+                <a:tint val="73000"/>
+              </a:schemeClr>
+            </a:gs>
+            <a:gs pos="100000">
+              <a:schemeClr val="phClr">
+                <a:lumMod val="105000"/>
+                <a:satMod val="109000"/>
+                <a:tint val="81000"/>
+              </a:schemeClr>
+            </a:gs>
+          </a:gsLst>
+          <a:lin ang="5400000" scaled="0"/>
+        </a:gradFill>
+        <a:gradFill rotWithShape="1">
+          <a:gsLst>
+            <a:gs pos="0">
+              <a:schemeClr val="phClr">
+                <a:satMod val="103000"/>
+                <a:lumMod val="102000"/>
+                <a:tint val="94000"/>
+              </a:schemeClr>
+            </a:gs>
+            <a:gs pos="50000">
+              <a:schemeClr val="phClr">
+                <a:satMod val="110000"/>
+                <a:lumMod val="100000"/>
+                <a:shade val="100000"/>
+              </a:schemeClr>
+            </a:gs>
+            <a:gs pos="100000">
+              <a:schemeClr val="phClr">
+                <a:lumMod val="99000"/>
+                <a:satMod val="120000"/>
+                <a:shade val="78000"/>
+              </a:schemeClr>
+            </a:gs>
+          </a:gsLst>
+          <a:lin ang="5400000" scaled="0"/>
+        </a:gradFill>
+      </a:fillStyleLst>
+      <a:lnStyleLst>
+        <a:ln w="6350" cap="flat" cmpd="sng" algn="ctr">
+          <a:solidFill>
+            <a:schemeClr val="phClr"/>
+          </a:solidFill>
+          <a:prstDash val="solid"/>
+          <a:miter lim="800000"/>
+        </a:ln>
+        <a:ln w="12700" cap="flat" cmpd="sng" algn="ctr">
+          <a:solidFill>
+            <a:schemeClr val="phClr"/>
+          </a:solidFill>
+          <a:prstDash val="solid"/>
+          <a:miter lim="800000"/>
+        </a:ln>
+        <a:ln w="19050" cap="flat" cmpd="sng" algn="ctr">
+          <a:solidFill>
+            <a:schemeClr val="phClr"/>
+          </a:solidFill>
+          <a:prstDash val="solid"/>
+          <a:miter lim="800000"/>
+        </a:ln>
+      </a:lnStyleLst>
+      <a:effectStyleLst>
+        <a:effectStyle>
+          <a:effectLst/>
+        </a:effectStyle>
+        <a:effectStyle>
+          <a:effectLst/>
+        </a:effectStyle>
+        <a:effectStyle>
+          <a:effectLst>
+            <a:outerShdw blurRad="57150" dist="19050" dir="5400000" algn="ctr" rotWithShape="0">
+              <a:srgbClr val="000000">
+                <a:alpha val="63000"/>
+              </a:srgbClr>
+            </a:outerShdw>
+          </a:effectLst>
+        </a:effectStyle>
+      </a:effectStyleLst>
+      <a:bgFillStyleLst>
+        <a:solidFill>
+          <a:schemeClr val="phClr"/>
+        </a:solidFill>
+        <a:solidFill>
+          <a:schemeClr val="phClr">
+            <a:tint val="95000"/>
+            <a:satMod val="170000"/>
+          </a:schemeClr>
+        </a:solidFill>
+        <a:gradFill rotWithShape="1">
+          <a:gsLst>
+            <a:gs pos="0">
+              <a:schemeClr val="phClr">
+                <a:tint val="93000"/>
+                <a:satMod val="150000"/>
+                <a:shade val="98000"/>
+                <a:lumMod val="102000"/>
+              </a:schemeClr>
+            </a:gs>
+            <a:gs pos="50000">
+              <a:schemeClr val="phClr">
+                <a:tint val="98000"/>
+                <a:satMod val="130000"/>
+                <a:shade val="90000"/>
+                <a:lumMod val="103000"/>
+              </a:schemeClr>
+            </a:gs>
+            <a:gs pos="100000">
+              <a:schemeClr val="phClr">
+                <a:shade val="63000"/>
+                <a:satMod val="120000"/>
+              </a:schemeClr>
+            </a:gs>
+          </a:gsLst>
+          <a:lin ang="5400000" scaled="0"/>
+        </a:gradFill>
+      </a:bgFillStyleLst>
+    </a:fmtScheme>
+  </a:themeElements>
+  <a:objectDefaults/>
+  <a:extraClrSchemeLst/>
+  <a:extLst>
+    <a:ext uri="{05A4C25C-085E-4340-85A3-A5531E510DB2}">
+      <thm15:themeFamily xmlns:thm15="http://schemas.microsoft.com/office/thememl/2012/main" name="Office Theme" id="{62F939B6-93AF-4DB8-9C6B-D6C7DFDC589F}" vid="{4A3C46E8-61CC-4603-A589-7422A47A8E4A}"/>
+    </a:ext>
+  </a:extLst>
+</a:theme>
 </file>